--- a/lectures/p-01.01-counterfactual-example.pptx
+++ b/lectures/p-01.01-counterfactual-example.pptx
@@ -7,18 +7,19 @@
     <p:sldMasterId id="2147483688" r:id="rId3"/>
   </p:sldMasterIdLst>
   <p:notesMasterIdLst>
-    <p:notesMasterId r:id="rId13"/>
+    <p:notesMasterId r:id="rId14"/>
   </p:notesMasterIdLst>
   <p:sldIdLst>
     <p:sldId id="401" r:id="rId4"/>
     <p:sldId id="449" r:id="rId5"/>
     <p:sldId id="472" r:id="rId6"/>
-    <p:sldId id="447" r:id="rId7"/>
-    <p:sldId id="473" r:id="rId8"/>
-    <p:sldId id="474" r:id="rId9"/>
-    <p:sldId id="475" r:id="rId10"/>
-    <p:sldId id="448" r:id="rId11"/>
-    <p:sldId id="450" r:id="rId12"/>
+    <p:sldId id="476" r:id="rId7"/>
+    <p:sldId id="447" r:id="rId8"/>
+    <p:sldId id="473" r:id="rId9"/>
+    <p:sldId id="474" r:id="rId10"/>
+    <p:sldId id="475" r:id="rId11"/>
+    <p:sldId id="448" r:id="rId12"/>
+    <p:sldId id="450" r:id="rId13"/>
   </p:sldIdLst>
   <p:sldSz cx="12192000" cy="6858000"/>
   <p:notesSz cx="6858000" cy="9144000"/>
@@ -10633,6 +10634,584 @@
 </p:sld>
 </file>
 
+<file path=ppt/slides/slide10.xml><?xml version="1.0" encoding="utf-8"?>
+<p:sld xmlns:a="http://schemas.openxmlformats.org/drawingml/2006/main" xmlns:r="http://schemas.openxmlformats.org/officeDocument/2006/relationships" xmlns:p="http://schemas.openxmlformats.org/presentationml/2006/main">
+  <p:cSld>
+    <p:spTree>
+      <p:nvGrpSpPr>
+        <p:cNvPr id="1" name=""/>
+        <p:cNvGrpSpPr/>
+        <p:nvPr/>
+      </p:nvGrpSpPr>
+      <p:grpSpPr>
+        <a:xfrm>
+          <a:off x="0" y="0"/>
+          <a:ext cx="0" cy="0"/>
+          <a:chOff x="0" y="0"/>
+          <a:chExt cx="0" cy="0"/>
+        </a:xfrm>
+      </p:grpSpPr>
+      <p:sp>
+        <p:nvSpPr>
+          <p:cNvPr id="3075" name="TextBox 3"/>
+          <p:cNvSpPr txBox="1">
+            <a:spLocks noChangeArrowheads="1"/>
+          </p:cNvSpPr>
+          <p:nvPr/>
+        </p:nvSpPr>
+        <p:spPr bwMode="auto">
+          <a:xfrm>
+            <a:off x="2415073" y="220826"/>
+            <a:ext cx="7010400" cy="769441"/>
+          </a:xfrm>
+          <a:prstGeom prst="rect">
+            <a:avLst/>
+          </a:prstGeom>
+          <a:noFill/>
+          <a:ln w="9525">
+            <a:noFill/>
+            <a:miter lim="800000"/>
+            <a:headEnd/>
+            <a:tailEnd/>
+          </a:ln>
+        </p:spPr>
+        <p:txBody>
+          <a:bodyPr>
+            <a:spAutoFit/>
+          </a:bodyPr>
+          <a:lstStyle/>
+          <a:p>
+            <a:pPr marL="0" marR="0" lvl="0" indent="0" algn="l" defTabSz="914400" rtl="0" eaLnBrk="1" fontAlgn="auto" latinLnBrk="0" hangingPunct="1">
+              <a:lnSpc>
+                <a:spcPct val="100000"/>
+              </a:lnSpc>
+              <a:spcBef>
+                <a:spcPts val="0"/>
+              </a:spcBef>
+              <a:spcAft>
+                <a:spcPts val="0"/>
+              </a:spcAft>
+              <a:buClrTx/>
+              <a:buSzTx/>
+              <a:buFontTx/>
+              <a:buNone/>
+              <a:tabLst/>
+              <a:defRPr/>
+            </a:pPr>
+            <a:r>
+              <a:rPr kumimoji="0" lang="en-US" sz="4400" b="0" i="0" u="none" strike="noStrike" kern="1200" cap="small" spc="0" normalizeH="0" baseline="0" noProof="0" dirty="0">
+                <a:ln>
+                  <a:noFill/>
+                </a:ln>
+                <a:solidFill>
+                  <a:prstClr val="black"/>
+                </a:solidFill>
+                <a:effectLst/>
+                <a:uLnTx/>
+                <a:uFillTx/>
+                <a:latin typeface="Euphemia" panose="020B0503040102020104"/>
+                <a:ea typeface="+mn-ea"/>
+                <a:cs typeface="+mn-cs"/>
+              </a:rPr>
+              <a:t>Discussion Questions:</a:t>
+            </a:r>
+          </a:p>
+        </p:txBody>
+      </p:sp>
+      <p:sp>
+        <p:nvSpPr>
+          <p:cNvPr id="8" name="TextBox 4"/>
+          <p:cNvSpPr txBox="1">
+            <a:spLocks noChangeArrowheads="1"/>
+          </p:cNvSpPr>
+          <p:nvPr/>
+        </p:nvSpPr>
+        <p:spPr bwMode="auto">
+          <a:xfrm>
+            <a:off x="2099387" y="1107234"/>
+            <a:ext cx="7239000" cy="5170646"/>
+          </a:xfrm>
+          <a:prstGeom prst="rect">
+            <a:avLst/>
+          </a:prstGeom>
+          <a:noFill/>
+          <a:ln w="9525">
+            <a:noFill/>
+            <a:miter lim="800000"/>
+            <a:headEnd/>
+            <a:tailEnd/>
+          </a:ln>
+        </p:spPr>
+        <p:txBody>
+          <a:bodyPr>
+            <a:spAutoFit/>
+          </a:bodyPr>
+          <a:lstStyle/>
+          <a:p>
+            <a:pPr marL="457200" marR="0" lvl="1" indent="0" algn="l" defTabSz="914400" rtl="0" eaLnBrk="1" fontAlgn="auto" latinLnBrk="0" hangingPunct="1">
+              <a:lnSpc>
+                <a:spcPct val="100000"/>
+              </a:lnSpc>
+              <a:spcBef>
+                <a:spcPts val="1200"/>
+              </a:spcBef>
+              <a:spcAft>
+                <a:spcPts val="0"/>
+              </a:spcAft>
+              <a:buClrTx/>
+              <a:buSzTx/>
+              <a:buFontTx/>
+              <a:buNone/>
+              <a:tabLst/>
+              <a:defRPr/>
+            </a:pPr>
+            <a:endParaRPr kumimoji="0" lang="en-US" sz="1800" b="0" i="0" u="none" strike="noStrike" kern="1200" cap="none" spc="0" normalizeH="0" baseline="0" noProof="0" dirty="0">
+              <a:ln>
+                <a:noFill/>
+              </a:ln>
+              <a:solidFill>
+                <a:prstClr val="black"/>
+              </a:solidFill>
+              <a:effectLst/>
+              <a:uLnTx/>
+              <a:uFillTx/>
+              <a:latin typeface="Calibri" panose="020F0502020204030204"/>
+              <a:ea typeface="+mn-ea"/>
+              <a:cs typeface="+mn-cs"/>
+            </a:endParaRPr>
+          </a:p>
+          <a:p>
+            <a:pPr marL="914400" marR="0" lvl="1" indent="-457200" algn="l" defTabSz="914400" rtl="0" eaLnBrk="1" fontAlgn="auto" latinLnBrk="0" hangingPunct="1">
+              <a:lnSpc>
+                <a:spcPct val="100000"/>
+              </a:lnSpc>
+              <a:spcBef>
+                <a:spcPts val="1200"/>
+              </a:spcBef>
+              <a:spcAft>
+                <a:spcPts val="0"/>
+              </a:spcAft>
+              <a:buClrTx/>
+              <a:buSzTx/>
+              <a:buFontTx/>
+              <a:buAutoNum type="arabicPeriod"/>
+              <a:tabLst/>
+              <a:defRPr/>
+            </a:pPr>
+            <a:r>
+              <a:rPr lang="en-US" dirty="0">
+                <a:solidFill>
+                  <a:prstClr val="black"/>
+                </a:solidFill>
+                <a:latin typeface="Calibri" panose="020F0502020204030204"/>
+              </a:rPr>
+              <a:t>Is this an RCT? Do we have an identical “control group”?</a:t>
+            </a:r>
+            <a:br>
+              <a:rPr kumimoji="0" lang="en-US" sz="1800" b="0" i="0" u="none" strike="noStrike" kern="1200" cap="none" spc="0" normalizeH="0" baseline="0" noProof="0" dirty="0">
+                <a:ln>
+                  <a:noFill/>
+                </a:ln>
+                <a:solidFill>
+                  <a:prstClr val="black"/>
+                </a:solidFill>
+                <a:effectLst/>
+                <a:uLnTx/>
+                <a:uFillTx/>
+                <a:latin typeface="Calibri" panose="020F0502020204030204"/>
+                <a:ea typeface="+mn-ea"/>
+                <a:cs typeface="+mn-cs"/>
+              </a:rPr>
+            </a:br>
+            <a:endParaRPr kumimoji="0" lang="en-US" sz="1800" b="0" i="0" u="none" strike="noStrike" kern="1200" cap="none" spc="0" normalizeH="0" baseline="0" noProof="0" dirty="0">
+              <a:ln>
+                <a:noFill/>
+              </a:ln>
+              <a:solidFill>
+                <a:prstClr val="black"/>
+              </a:solidFill>
+              <a:effectLst/>
+              <a:uLnTx/>
+              <a:uFillTx/>
+              <a:latin typeface="Calibri" panose="020F0502020204030204"/>
+              <a:ea typeface="+mn-ea"/>
+              <a:cs typeface="+mn-cs"/>
+            </a:endParaRPr>
+          </a:p>
+          <a:p>
+            <a:pPr marL="914400" marR="0" lvl="1" indent="-457200" algn="l" defTabSz="914400" rtl="0" eaLnBrk="1" fontAlgn="auto" latinLnBrk="0" hangingPunct="1">
+              <a:lnSpc>
+                <a:spcPct val="100000"/>
+              </a:lnSpc>
+              <a:spcBef>
+                <a:spcPts val="1200"/>
+              </a:spcBef>
+              <a:spcAft>
+                <a:spcPts val="0"/>
+              </a:spcAft>
+              <a:buClrTx/>
+              <a:buSzTx/>
+              <a:buFontTx/>
+              <a:buAutoNum type="arabicPeriod"/>
+              <a:tabLst/>
+              <a:defRPr/>
+            </a:pPr>
+            <a:r>
+              <a:rPr kumimoji="0" lang="en-US" sz="1800" b="0" i="0" u="none" strike="noStrike" kern="1200" cap="none" spc="0" normalizeH="0" baseline="0" noProof="0" dirty="0">
+                <a:ln>
+                  <a:noFill/>
+                </a:ln>
+                <a:solidFill>
+                  <a:prstClr val="black"/>
+                </a:solidFill>
+                <a:effectLst/>
+                <a:uLnTx/>
+                <a:uFillTx/>
+                <a:latin typeface="Calibri" panose="020F0502020204030204"/>
+                <a:ea typeface="+mn-ea"/>
+                <a:cs typeface="+mn-cs"/>
+              </a:rPr>
+              <a:t>What role does the high SES group perform?</a:t>
+            </a:r>
+            <a:r>
+              <a:rPr kumimoji="0" lang="en-US" sz="1800" b="0" i="0" u="none" strike="noStrike" kern="1200" cap="none" spc="0" normalizeH="0" noProof="0" dirty="0">
+                <a:ln>
+                  <a:noFill/>
+                </a:ln>
+                <a:solidFill>
+                  <a:prstClr val="black"/>
+                </a:solidFill>
+                <a:effectLst/>
+                <a:uLnTx/>
+                <a:uFillTx/>
+                <a:latin typeface="Calibri" panose="020F0502020204030204"/>
+                <a:ea typeface="+mn-ea"/>
+                <a:cs typeface="+mn-cs"/>
+              </a:rPr>
+              <a:t> </a:t>
+            </a:r>
+            <a:br>
+              <a:rPr kumimoji="0" lang="en-US" sz="1800" b="0" i="0" u="none" strike="noStrike" kern="1200" cap="none" spc="0" normalizeH="0" noProof="0" dirty="0">
+                <a:ln>
+                  <a:noFill/>
+                </a:ln>
+                <a:solidFill>
+                  <a:prstClr val="black"/>
+                </a:solidFill>
+                <a:effectLst/>
+                <a:uLnTx/>
+                <a:uFillTx/>
+                <a:latin typeface="Calibri" panose="020F0502020204030204"/>
+                <a:ea typeface="+mn-ea"/>
+                <a:cs typeface="+mn-cs"/>
+              </a:rPr>
+            </a:br>
+            <a:endParaRPr kumimoji="0" lang="en-US" sz="1800" b="0" i="0" u="none" strike="noStrike" kern="1200" cap="none" spc="0" normalizeH="0" noProof="0" dirty="0">
+              <a:ln>
+                <a:noFill/>
+              </a:ln>
+              <a:solidFill>
+                <a:prstClr val="black"/>
+              </a:solidFill>
+              <a:effectLst/>
+              <a:uLnTx/>
+              <a:uFillTx/>
+              <a:latin typeface="Calibri" panose="020F0502020204030204"/>
+              <a:ea typeface="+mn-ea"/>
+              <a:cs typeface="+mn-cs"/>
+            </a:endParaRPr>
+          </a:p>
+          <a:p>
+            <a:pPr marL="914400" marR="0" lvl="1" indent="-457200" algn="l" defTabSz="914400" rtl="0" eaLnBrk="1" fontAlgn="auto" latinLnBrk="0" hangingPunct="1">
+              <a:lnSpc>
+                <a:spcPct val="100000"/>
+              </a:lnSpc>
+              <a:spcBef>
+                <a:spcPts val="1200"/>
+              </a:spcBef>
+              <a:spcAft>
+                <a:spcPts val="0"/>
+              </a:spcAft>
+              <a:buClrTx/>
+              <a:buSzTx/>
+              <a:buFontTx/>
+              <a:buAutoNum type="arabicPeriod"/>
+              <a:tabLst/>
+              <a:defRPr/>
+            </a:pPr>
+            <a:r>
+              <a:rPr kumimoji="0" lang="en-US" sz="1800" b="0" i="0" u="none" strike="noStrike" kern="1200" cap="none" spc="0" normalizeH="0" baseline="0" noProof="0" dirty="0">
+                <a:ln>
+                  <a:noFill/>
+                </a:ln>
+                <a:solidFill>
+                  <a:prstClr val="black"/>
+                </a:solidFill>
+                <a:effectLst/>
+                <a:uLnTx/>
+                <a:uFillTx/>
+                <a:latin typeface="Calibri" panose="020F0502020204030204"/>
+                <a:ea typeface="+mn-ea"/>
+                <a:cs typeface="+mn-cs"/>
+              </a:rPr>
+              <a:t>Why do we have four treatment groups?</a:t>
+            </a:r>
+            <a:br>
+              <a:rPr kumimoji="0" lang="en-US" sz="1800" b="0" i="0" u="none" strike="noStrike" kern="1200" cap="none" spc="0" normalizeH="0" baseline="0" noProof="0" dirty="0">
+                <a:ln>
+                  <a:noFill/>
+                </a:ln>
+                <a:solidFill>
+                  <a:prstClr val="black"/>
+                </a:solidFill>
+                <a:effectLst/>
+                <a:uLnTx/>
+                <a:uFillTx/>
+                <a:latin typeface="Calibri" panose="020F0502020204030204"/>
+                <a:ea typeface="+mn-ea"/>
+                <a:cs typeface="+mn-cs"/>
+              </a:rPr>
+            </a:br>
+            <a:endParaRPr kumimoji="0" lang="en-US" sz="1800" b="0" i="0" u="none" strike="noStrike" kern="1200" cap="none" spc="0" normalizeH="0" baseline="0" noProof="0" dirty="0">
+              <a:ln>
+                <a:noFill/>
+              </a:ln>
+              <a:solidFill>
+                <a:prstClr val="black"/>
+              </a:solidFill>
+              <a:effectLst/>
+              <a:uLnTx/>
+              <a:uFillTx/>
+              <a:latin typeface="Calibri" panose="020F0502020204030204"/>
+              <a:ea typeface="+mn-ea"/>
+              <a:cs typeface="+mn-cs"/>
+            </a:endParaRPr>
+          </a:p>
+          <a:p>
+            <a:pPr marL="914400" lvl="1" indent="-457200">
+              <a:spcBef>
+                <a:spcPts val="1200"/>
+              </a:spcBef>
+              <a:buFontTx/>
+              <a:buAutoNum type="arabicPeriod"/>
+            </a:pPr>
+            <a:r>
+              <a:rPr lang="en-US" dirty="0">
+                <a:solidFill>
+                  <a:prstClr val="black"/>
+                </a:solidFill>
+              </a:rPr>
+              <a:t>What outcome is measured here? Is it valid and reliable? </a:t>
+            </a:r>
+            <a:br>
+              <a:rPr lang="en-US" dirty="0">
+                <a:solidFill>
+                  <a:prstClr val="black"/>
+                </a:solidFill>
+              </a:rPr>
+            </a:br>
+            <a:endParaRPr lang="en-US" dirty="0">
+              <a:solidFill>
+                <a:prstClr val="black"/>
+              </a:solidFill>
+            </a:endParaRPr>
+          </a:p>
+          <a:p>
+            <a:pPr marL="914400" lvl="1" indent="-457200">
+              <a:spcBef>
+                <a:spcPts val="1200"/>
+              </a:spcBef>
+              <a:buFontTx/>
+              <a:buAutoNum type="arabicPeriod"/>
+            </a:pPr>
+            <a:r>
+              <a:rPr lang="en-US" dirty="0">
+                <a:solidFill>
+                  <a:prstClr val="black"/>
+                </a:solidFill>
+              </a:rPr>
+              <a:t>How </a:t>
+            </a:r>
+            <a:r>
+              <a:rPr kumimoji="0" lang="en-US" sz="1800" b="0" i="0" u="none" strike="noStrike" kern="1200" cap="none" spc="0" normalizeH="0" baseline="0" noProof="0" dirty="0">
+                <a:ln>
+                  <a:noFill/>
+                </a:ln>
+                <a:solidFill>
+                  <a:prstClr val="black"/>
+                </a:solidFill>
+                <a:effectLst/>
+                <a:uLnTx/>
+                <a:uFillTx/>
+                <a:latin typeface="Calibri" panose="020F0502020204030204"/>
+                <a:ea typeface="+mn-ea"/>
+                <a:cs typeface="+mn-cs"/>
+              </a:rPr>
+              <a:t>would I test whether</a:t>
+            </a:r>
+            <a:r>
+              <a:rPr kumimoji="0" lang="en-US" sz="1800" b="0" i="0" u="none" strike="noStrike" kern="1200" cap="none" spc="0" normalizeH="0" noProof="0" dirty="0">
+                <a:ln>
+                  <a:noFill/>
+                </a:ln>
+                <a:solidFill>
+                  <a:prstClr val="black"/>
+                </a:solidFill>
+                <a:effectLst/>
+                <a:uLnTx/>
+                <a:uFillTx/>
+                <a:latin typeface="Calibri" panose="020F0502020204030204"/>
+                <a:ea typeface="+mn-ea"/>
+                <a:cs typeface="+mn-cs"/>
+              </a:rPr>
+              <a:t> two treatment periods has the same impact as three periods, but is more cost-effective? </a:t>
+            </a:r>
+            <a:br>
+              <a:rPr kumimoji="0" lang="en-US" sz="1800" b="0" i="0" u="none" strike="noStrike" kern="1200" cap="none" spc="0" normalizeH="0" noProof="0" dirty="0">
+                <a:ln>
+                  <a:noFill/>
+                </a:ln>
+                <a:solidFill>
+                  <a:prstClr val="black"/>
+                </a:solidFill>
+                <a:effectLst/>
+                <a:uLnTx/>
+                <a:uFillTx/>
+                <a:latin typeface="Calibri" panose="020F0502020204030204"/>
+                <a:ea typeface="+mn-ea"/>
+                <a:cs typeface="+mn-cs"/>
+              </a:rPr>
+            </a:br>
+            <a:endParaRPr kumimoji="0" lang="en-US" sz="1800" b="0" i="0" u="none" strike="noStrike" kern="1200" cap="none" spc="0" normalizeH="0" noProof="0" dirty="0">
+              <a:ln>
+                <a:noFill/>
+              </a:ln>
+              <a:solidFill>
+                <a:prstClr val="black"/>
+              </a:solidFill>
+              <a:effectLst/>
+              <a:uLnTx/>
+              <a:uFillTx/>
+              <a:latin typeface="Calibri" panose="020F0502020204030204"/>
+              <a:ea typeface="+mn-ea"/>
+              <a:cs typeface="+mn-cs"/>
+            </a:endParaRPr>
+          </a:p>
+          <a:p>
+            <a:pPr marL="914400" marR="0" lvl="1" indent="-457200" algn="l" defTabSz="914400" rtl="0" eaLnBrk="1" fontAlgn="auto" latinLnBrk="0" hangingPunct="1">
+              <a:lnSpc>
+                <a:spcPct val="100000"/>
+              </a:lnSpc>
+              <a:spcBef>
+                <a:spcPts val="1200"/>
+              </a:spcBef>
+              <a:spcAft>
+                <a:spcPts val="0"/>
+              </a:spcAft>
+              <a:buClrTx/>
+              <a:buSzTx/>
+              <a:buFontTx/>
+              <a:buAutoNum type="arabicPeriod"/>
+              <a:tabLst/>
+              <a:defRPr/>
+            </a:pPr>
+            <a:r>
+              <a:rPr lang="en-US" baseline="0" dirty="0">
+                <a:solidFill>
+                  <a:prstClr val="black"/>
+                </a:solidFill>
+                <a:latin typeface="Calibri" panose="020F0502020204030204"/>
+              </a:rPr>
+              <a:t>Can</a:t>
+            </a:r>
+            <a:r>
+              <a:rPr lang="en-US" dirty="0">
+                <a:solidFill>
+                  <a:prstClr val="black"/>
+                </a:solidFill>
+                <a:latin typeface="Calibri" panose="020F0502020204030204"/>
+              </a:rPr>
+              <a:t> you identify a weakness in the design or a threat to validity? </a:t>
+            </a:r>
+            <a:br>
+              <a:rPr kumimoji="0" lang="en-US" sz="1800" b="0" i="0" u="none" strike="noStrike" kern="1200" cap="none" spc="0" normalizeH="0" baseline="0" noProof="0" dirty="0">
+                <a:ln>
+                  <a:noFill/>
+                </a:ln>
+                <a:solidFill>
+                  <a:prstClr val="black"/>
+                </a:solidFill>
+                <a:effectLst/>
+                <a:uLnTx/>
+                <a:uFillTx/>
+                <a:latin typeface="Calibri" panose="020F0502020204030204"/>
+                <a:ea typeface="+mn-ea"/>
+                <a:cs typeface="+mn-cs"/>
+              </a:rPr>
+            </a:br>
+            <a:endParaRPr kumimoji="0" lang="en-US" sz="1800" b="0" i="0" u="none" strike="noStrike" kern="1200" cap="none" spc="0" normalizeH="0" baseline="0" noProof="0" dirty="0">
+              <a:ln>
+                <a:noFill/>
+              </a:ln>
+              <a:solidFill>
+                <a:prstClr val="black"/>
+              </a:solidFill>
+              <a:effectLst/>
+              <a:uLnTx/>
+              <a:uFillTx/>
+              <a:latin typeface="Calibri" panose="020F0502020204030204"/>
+              <a:ea typeface="+mn-ea"/>
+              <a:cs typeface="+mn-cs"/>
+            </a:endParaRPr>
+          </a:p>
+          <a:p>
+            <a:pPr marL="914400" marR="0" lvl="1" indent="-457200" algn="l" defTabSz="914400" rtl="0" eaLnBrk="1" fontAlgn="auto" latinLnBrk="0" hangingPunct="1">
+              <a:lnSpc>
+                <a:spcPct val="100000"/>
+              </a:lnSpc>
+              <a:spcBef>
+                <a:spcPts val="0"/>
+              </a:spcBef>
+              <a:spcAft>
+                <a:spcPts val="0"/>
+              </a:spcAft>
+              <a:buClrTx/>
+              <a:buSzTx/>
+              <a:buFont typeface="Tahoma" pitchFamily="34" charset="0"/>
+              <a:buAutoNum type="arabicPeriod"/>
+              <a:tabLst/>
+              <a:defRPr/>
+            </a:pPr>
+            <a:endParaRPr kumimoji="0" lang="en-US" sz="1800" b="0" i="0" u="none" strike="noStrike" kern="1200" cap="none" spc="0" normalizeH="0" baseline="0" noProof="0" dirty="0">
+              <a:ln>
+                <a:noFill/>
+              </a:ln>
+              <a:solidFill>
+                <a:prstClr val="black"/>
+              </a:solidFill>
+              <a:effectLst/>
+              <a:uLnTx/>
+              <a:uFillTx/>
+              <a:latin typeface="Calibri" panose="020F0502020204030204"/>
+              <a:ea typeface="+mn-ea"/>
+              <a:cs typeface="+mn-cs"/>
+            </a:endParaRPr>
+          </a:p>
+        </p:txBody>
+      </p:sp>
+    </p:spTree>
+    <p:extLst>
+      <p:ext uri="{BB962C8B-B14F-4D97-AF65-F5344CB8AC3E}">
+        <p14:creationId xmlns:p14="http://schemas.microsoft.com/office/powerpoint/2010/main" val="526458811"/>
+      </p:ext>
+    </p:extLst>
+  </p:cSld>
+  <p:clrMapOvr>
+    <a:masterClrMapping/>
+  </p:clrMapOvr>
+</p:sld>
+</file>
+
 <file path=ppt/slides/slide2.xml><?xml version="1.0" encoding="utf-8"?>
 <p:sld xmlns:a="http://schemas.openxmlformats.org/drawingml/2006/main" xmlns:r="http://schemas.openxmlformats.org/officeDocument/2006/relationships" xmlns:p="http://schemas.openxmlformats.org/presentationml/2006/main">
   <p:cSld>
@@ -10935,6 +11514,1864 @@
           <a:chExt cx="0" cy="0"/>
         </a:xfrm>
       </p:grpSpPr>
+      <p:grpSp>
+        <p:nvGrpSpPr>
+          <p:cNvPr id="51" name="Group 50">
+            <a:extLst>
+              <a:ext uri="{FF2B5EF4-FFF2-40B4-BE49-F238E27FC236}">
+                <a16:creationId xmlns:a16="http://schemas.microsoft.com/office/drawing/2014/main" id="{259AA5CC-35AB-4B6A-964F-1D0D5EBFEBC1}"/>
+              </a:ext>
+            </a:extLst>
+          </p:cNvPr>
+          <p:cNvGrpSpPr/>
+          <p:nvPr/>
+        </p:nvGrpSpPr>
+        <p:grpSpPr>
+          <a:xfrm>
+            <a:off x="2490787" y="409575"/>
+            <a:ext cx="7210425" cy="6038850"/>
+            <a:chOff x="2490787" y="409575"/>
+            <a:chExt cx="7210425" cy="6038850"/>
+          </a:xfrm>
+        </p:grpSpPr>
+        <p:grpSp>
+          <p:nvGrpSpPr>
+            <p:cNvPr id="49" name="Group 48">
+              <a:extLst>
+                <a:ext uri="{FF2B5EF4-FFF2-40B4-BE49-F238E27FC236}">
+                  <a16:creationId xmlns:a16="http://schemas.microsoft.com/office/drawing/2014/main" id="{BDDDC4B9-3B46-466A-B3C0-6E4310CEAC25}"/>
+                </a:ext>
+              </a:extLst>
+            </p:cNvPr>
+            <p:cNvGrpSpPr/>
+            <p:nvPr/>
+          </p:nvGrpSpPr>
+          <p:grpSpPr>
+            <a:xfrm>
+              <a:off x="2490787" y="409575"/>
+              <a:ext cx="7210425" cy="6038850"/>
+              <a:chOff x="2490787" y="409575"/>
+              <a:chExt cx="7210425" cy="6038850"/>
+            </a:xfrm>
+          </p:grpSpPr>
+          <p:grpSp>
+            <p:nvGrpSpPr>
+              <p:cNvPr id="33" name="Group 32">
+                <a:extLst>
+                  <a:ext uri="{FF2B5EF4-FFF2-40B4-BE49-F238E27FC236}">
+                    <a16:creationId xmlns:a16="http://schemas.microsoft.com/office/drawing/2014/main" id="{89D5F9F3-DE45-49C7-9079-BFBEC0B8B299}"/>
+                  </a:ext>
+                </a:extLst>
+              </p:cNvPr>
+              <p:cNvGrpSpPr/>
+              <p:nvPr/>
+            </p:nvGrpSpPr>
+            <p:grpSpPr>
+              <a:xfrm>
+                <a:off x="2490787" y="409575"/>
+                <a:ext cx="7210425" cy="6038850"/>
+                <a:chOff x="2490787" y="409575"/>
+                <a:chExt cx="7210425" cy="6038850"/>
+              </a:xfrm>
+            </p:grpSpPr>
+            <p:pic>
+              <p:nvPicPr>
+                <p:cNvPr id="2" name="Picture 1">
+                  <a:extLst>
+                    <a:ext uri="{FF2B5EF4-FFF2-40B4-BE49-F238E27FC236}">
+                      <a16:creationId xmlns:a16="http://schemas.microsoft.com/office/drawing/2014/main" id="{FDE5C1BC-61DA-42C9-8837-A323872BF260}"/>
+                    </a:ext>
+                  </a:extLst>
+                </p:cNvPr>
+                <p:cNvPicPr>
+                  <a:picLocks noChangeAspect="1"/>
+                </p:cNvPicPr>
+                <p:nvPr/>
+              </p:nvPicPr>
+              <p:blipFill>
+                <a:blip r:embed="rId2"/>
+                <a:stretch>
+                  <a:fillRect/>
+                </a:stretch>
+              </p:blipFill>
+              <p:spPr>
+                <a:xfrm>
+                  <a:off x="2490787" y="409575"/>
+                  <a:ext cx="7210425" cy="6038850"/>
+                </a:xfrm>
+                <a:prstGeom prst="rect">
+                  <a:avLst/>
+                </a:prstGeom>
+              </p:spPr>
+            </p:pic>
+            <p:sp>
+              <p:nvSpPr>
+                <p:cNvPr id="3" name="Oval 2">
+                  <a:extLst>
+                    <a:ext uri="{FF2B5EF4-FFF2-40B4-BE49-F238E27FC236}">
+                      <a16:creationId xmlns:a16="http://schemas.microsoft.com/office/drawing/2014/main" id="{5272BE17-2847-4FD0-AC92-D98442F12AC5}"/>
+                    </a:ext>
+                  </a:extLst>
+                </p:cNvPr>
+                <p:cNvSpPr/>
+                <p:nvPr/>
+              </p:nvSpPr>
+              <p:spPr>
+                <a:xfrm>
+                  <a:off x="7240555" y="1156995"/>
+                  <a:ext cx="137160" cy="137160"/>
+                </a:xfrm>
+                <a:prstGeom prst="ellipse">
+                  <a:avLst/>
+                </a:prstGeom>
+                <a:solidFill>
+                  <a:schemeClr val="accent1">
+                    <a:lumMod val="75000"/>
+                  </a:schemeClr>
+                </a:solidFill>
+                <a:ln>
+                  <a:solidFill>
+                    <a:schemeClr val="accent1">
+                      <a:lumMod val="75000"/>
+                    </a:schemeClr>
+                  </a:solidFill>
+                </a:ln>
+              </p:spPr>
+              <p:style>
+                <a:lnRef idx="2">
+                  <a:schemeClr val="accent1">
+                    <a:shade val="50000"/>
+                  </a:schemeClr>
+                </a:lnRef>
+                <a:fillRef idx="1">
+                  <a:schemeClr val="accent1"/>
+                </a:fillRef>
+                <a:effectRef idx="0">
+                  <a:schemeClr val="accent1"/>
+                </a:effectRef>
+                <a:fontRef idx="minor">
+                  <a:schemeClr val="lt1"/>
+                </a:fontRef>
+              </p:style>
+              <p:txBody>
+                <a:bodyPr rtlCol="0" anchor="ctr"/>
+                <a:lstStyle/>
+                <a:p>
+                  <a:pPr algn="ctr"/>
+                  <a:endParaRPr lang="en-US"/>
+                </a:p>
+              </p:txBody>
+            </p:sp>
+            <p:sp>
+              <p:nvSpPr>
+                <p:cNvPr id="4" name="Oval 3">
+                  <a:extLst>
+                    <a:ext uri="{FF2B5EF4-FFF2-40B4-BE49-F238E27FC236}">
+                      <a16:creationId xmlns:a16="http://schemas.microsoft.com/office/drawing/2014/main" id="{2E7567BF-B472-4542-AF3E-DB14B9D96A32}"/>
+                    </a:ext>
+                  </a:extLst>
+                </p:cNvPr>
+                <p:cNvSpPr/>
+                <p:nvPr/>
+              </p:nvSpPr>
+              <p:spPr>
+                <a:xfrm>
+                  <a:off x="5713445" y="2528595"/>
+                  <a:ext cx="137160" cy="137160"/>
+                </a:xfrm>
+                <a:prstGeom prst="ellipse">
+                  <a:avLst/>
+                </a:prstGeom>
+                <a:solidFill>
+                  <a:schemeClr val="accent1">
+                    <a:lumMod val="75000"/>
+                  </a:schemeClr>
+                </a:solidFill>
+                <a:ln>
+                  <a:solidFill>
+                    <a:schemeClr val="accent1">
+                      <a:lumMod val="75000"/>
+                    </a:schemeClr>
+                  </a:solidFill>
+                </a:ln>
+              </p:spPr>
+              <p:style>
+                <a:lnRef idx="2">
+                  <a:schemeClr val="accent1">
+                    <a:shade val="50000"/>
+                  </a:schemeClr>
+                </a:lnRef>
+                <a:fillRef idx="1">
+                  <a:schemeClr val="accent1"/>
+                </a:fillRef>
+                <a:effectRef idx="0">
+                  <a:schemeClr val="accent1"/>
+                </a:effectRef>
+                <a:fontRef idx="minor">
+                  <a:schemeClr val="lt1"/>
+                </a:fontRef>
+              </p:style>
+              <p:txBody>
+                <a:bodyPr rtlCol="0" anchor="ctr"/>
+                <a:lstStyle/>
+                <a:p>
+                  <a:pPr algn="ctr"/>
+                  <a:endParaRPr lang="en-US"/>
+                </a:p>
+              </p:txBody>
+            </p:sp>
+            <p:sp>
+              <p:nvSpPr>
+                <p:cNvPr id="5" name="Oval 4">
+                  <a:extLst>
+                    <a:ext uri="{FF2B5EF4-FFF2-40B4-BE49-F238E27FC236}">
+                      <a16:creationId xmlns:a16="http://schemas.microsoft.com/office/drawing/2014/main" id="{CFC322B3-C643-4B33-9AF1-2ACDA095093C}"/>
+                    </a:ext>
+                  </a:extLst>
+                </p:cNvPr>
+                <p:cNvSpPr/>
+                <p:nvPr/>
+              </p:nvSpPr>
+              <p:spPr>
+                <a:xfrm>
+                  <a:off x="3402564" y="4074366"/>
+                  <a:ext cx="137160" cy="137160"/>
+                </a:xfrm>
+                <a:prstGeom prst="ellipse">
+                  <a:avLst/>
+                </a:prstGeom>
+                <a:solidFill>
+                  <a:schemeClr val="accent1">
+                    <a:lumMod val="75000"/>
+                  </a:schemeClr>
+                </a:solidFill>
+                <a:ln>
+                  <a:solidFill>
+                    <a:schemeClr val="accent1">
+                      <a:lumMod val="75000"/>
+                    </a:schemeClr>
+                  </a:solidFill>
+                </a:ln>
+              </p:spPr>
+              <p:style>
+                <a:lnRef idx="2">
+                  <a:schemeClr val="accent1">
+                    <a:shade val="50000"/>
+                  </a:schemeClr>
+                </a:lnRef>
+                <a:fillRef idx="1">
+                  <a:schemeClr val="accent1"/>
+                </a:fillRef>
+                <a:effectRef idx="0">
+                  <a:schemeClr val="accent1"/>
+                </a:effectRef>
+                <a:fontRef idx="minor">
+                  <a:schemeClr val="lt1"/>
+                </a:fontRef>
+              </p:style>
+              <p:txBody>
+                <a:bodyPr rtlCol="0" anchor="ctr"/>
+                <a:lstStyle/>
+                <a:p>
+                  <a:pPr algn="ctr"/>
+                  <a:endParaRPr lang="en-US"/>
+                </a:p>
+              </p:txBody>
+            </p:sp>
+            <p:sp>
+              <p:nvSpPr>
+                <p:cNvPr id="6" name="Oval 5">
+                  <a:extLst>
+                    <a:ext uri="{FF2B5EF4-FFF2-40B4-BE49-F238E27FC236}">
+                      <a16:creationId xmlns:a16="http://schemas.microsoft.com/office/drawing/2014/main" id="{6318FF46-5B3A-47C4-A023-24E283C92DF2}"/>
+                    </a:ext>
+                  </a:extLst>
+                </p:cNvPr>
+                <p:cNvSpPr/>
+                <p:nvPr/>
+              </p:nvSpPr>
+              <p:spPr>
+                <a:xfrm>
+                  <a:off x="4130351" y="3747795"/>
+                  <a:ext cx="137160" cy="137160"/>
+                </a:xfrm>
+                <a:prstGeom prst="ellipse">
+                  <a:avLst/>
+                </a:prstGeom>
+                <a:solidFill>
+                  <a:schemeClr val="accent1">
+                    <a:lumMod val="75000"/>
+                  </a:schemeClr>
+                </a:solidFill>
+                <a:ln>
+                  <a:solidFill>
+                    <a:schemeClr val="accent1">
+                      <a:lumMod val="75000"/>
+                    </a:schemeClr>
+                  </a:solidFill>
+                </a:ln>
+              </p:spPr>
+              <p:style>
+                <a:lnRef idx="2">
+                  <a:schemeClr val="accent1">
+                    <a:shade val="50000"/>
+                  </a:schemeClr>
+                </a:lnRef>
+                <a:fillRef idx="1">
+                  <a:schemeClr val="accent1"/>
+                </a:fillRef>
+                <a:effectRef idx="0">
+                  <a:schemeClr val="accent1"/>
+                </a:effectRef>
+                <a:fontRef idx="minor">
+                  <a:schemeClr val="lt1"/>
+                </a:fontRef>
+              </p:style>
+              <p:txBody>
+                <a:bodyPr rtlCol="0" anchor="ctr"/>
+                <a:lstStyle/>
+                <a:p>
+                  <a:pPr algn="ctr"/>
+                  <a:endParaRPr lang="en-US"/>
+                </a:p>
+              </p:txBody>
+            </p:sp>
+            <p:sp>
+              <p:nvSpPr>
+                <p:cNvPr id="7" name="Oval 6">
+                  <a:extLst>
+                    <a:ext uri="{FF2B5EF4-FFF2-40B4-BE49-F238E27FC236}">
+                      <a16:creationId xmlns:a16="http://schemas.microsoft.com/office/drawing/2014/main" id="{2DE520DE-5513-4840-B478-793A841128CC}"/>
+                    </a:ext>
+                  </a:extLst>
+                </p:cNvPr>
+                <p:cNvSpPr/>
+                <p:nvPr/>
+              </p:nvSpPr>
+              <p:spPr>
+                <a:xfrm>
+                  <a:off x="3402564" y="5261395"/>
+                  <a:ext cx="137160" cy="137160"/>
+                </a:xfrm>
+                <a:prstGeom prst="ellipse">
+                  <a:avLst/>
+                </a:prstGeom>
+                <a:solidFill>
+                  <a:schemeClr val="accent1">
+                    <a:lumMod val="75000"/>
+                  </a:schemeClr>
+                </a:solidFill>
+                <a:ln>
+                  <a:solidFill>
+                    <a:schemeClr val="accent1">
+                      <a:lumMod val="75000"/>
+                    </a:schemeClr>
+                  </a:solidFill>
+                </a:ln>
+              </p:spPr>
+              <p:style>
+                <a:lnRef idx="2">
+                  <a:schemeClr val="accent1">
+                    <a:shade val="50000"/>
+                  </a:schemeClr>
+                </a:lnRef>
+                <a:fillRef idx="1">
+                  <a:schemeClr val="accent1"/>
+                </a:fillRef>
+                <a:effectRef idx="0">
+                  <a:schemeClr val="accent1"/>
+                </a:effectRef>
+                <a:fontRef idx="minor">
+                  <a:schemeClr val="lt1"/>
+                </a:fontRef>
+              </p:style>
+              <p:txBody>
+                <a:bodyPr rtlCol="0" anchor="ctr"/>
+                <a:lstStyle/>
+                <a:p>
+                  <a:pPr algn="ctr"/>
+                  <a:endParaRPr lang="en-US"/>
+                </a:p>
+              </p:txBody>
+            </p:sp>
+            <p:sp>
+              <p:nvSpPr>
+                <p:cNvPr id="8" name="Oval 7">
+                  <a:extLst>
+                    <a:ext uri="{FF2B5EF4-FFF2-40B4-BE49-F238E27FC236}">
+                      <a16:creationId xmlns:a16="http://schemas.microsoft.com/office/drawing/2014/main" id="{E78AC04E-C3B6-445D-B584-BA23895B642B}"/>
+                    </a:ext>
+                  </a:extLst>
+                </p:cNvPr>
+                <p:cNvSpPr/>
+                <p:nvPr/>
+              </p:nvSpPr>
+              <p:spPr>
+                <a:xfrm>
+                  <a:off x="7240555" y="2681461"/>
+                  <a:ext cx="137160" cy="137160"/>
+                </a:xfrm>
+                <a:prstGeom prst="ellipse">
+                  <a:avLst/>
+                </a:prstGeom>
+                <a:solidFill>
+                  <a:schemeClr val="accent1">
+                    <a:lumMod val="75000"/>
+                  </a:schemeClr>
+                </a:solidFill>
+                <a:ln>
+                  <a:solidFill>
+                    <a:schemeClr val="accent1">
+                      <a:lumMod val="75000"/>
+                    </a:schemeClr>
+                  </a:solidFill>
+                </a:ln>
+              </p:spPr>
+              <p:style>
+                <a:lnRef idx="2">
+                  <a:schemeClr val="accent1">
+                    <a:shade val="50000"/>
+                  </a:schemeClr>
+                </a:lnRef>
+                <a:fillRef idx="1">
+                  <a:schemeClr val="accent1"/>
+                </a:fillRef>
+                <a:effectRef idx="0">
+                  <a:schemeClr val="accent1"/>
+                </a:effectRef>
+                <a:fontRef idx="minor">
+                  <a:schemeClr val="lt1"/>
+                </a:fontRef>
+              </p:style>
+              <p:txBody>
+                <a:bodyPr rtlCol="0" anchor="ctr"/>
+                <a:lstStyle/>
+                <a:p>
+                  <a:pPr algn="ctr"/>
+                  <a:endParaRPr lang="en-US"/>
+                </a:p>
+              </p:txBody>
+            </p:sp>
+            <p:sp>
+              <p:nvSpPr>
+                <p:cNvPr id="9" name="Oval 8">
+                  <a:extLst>
+                    <a:ext uri="{FF2B5EF4-FFF2-40B4-BE49-F238E27FC236}">
+                      <a16:creationId xmlns:a16="http://schemas.microsoft.com/office/drawing/2014/main" id="{B60E9023-E02C-4D20-80C3-B0522D8459F6}"/>
+                    </a:ext>
+                  </a:extLst>
+                </p:cNvPr>
+                <p:cNvSpPr/>
+                <p:nvPr/>
+              </p:nvSpPr>
+              <p:spPr>
+                <a:xfrm>
+                  <a:off x="5713445" y="3816375"/>
+                  <a:ext cx="137160" cy="137160"/>
+                </a:xfrm>
+                <a:prstGeom prst="ellipse">
+                  <a:avLst/>
+                </a:prstGeom>
+                <a:solidFill>
+                  <a:schemeClr val="accent1">
+                    <a:lumMod val="75000"/>
+                  </a:schemeClr>
+                </a:solidFill>
+                <a:ln>
+                  <a:solidFill>
+                    <a:schemeClr val="accent1">
+                      <a:lumMod val="75000"/>
+                    </a:schemeClr>
+                  </a:solidFill>
+                </a:ln>
+              </p:spPr>
+              <p:style>
+                <a:lnRef idx="2">
+                  <a:schemeClr val="accent1">
+                    <a:shade val="50000"/>
+                  </a:schemeClr>
+                </a:lnRef>
+                <a:fillRef idx="1">
+                  <a:schemeClr val="accent1"/>
+                </a:fillRef>
+                <a:effectRef idx="0">
+                  <a:schemeClr val="accent1"/>
+                </a:effectRef>
+                <a:fontRef idx="minor">
+                  <a:schemeClr val="lt1"/>
+                </a:fontRef>
+              </p:style>
+              <p:txBody>
+                <a:bodyPr rtlCol="0" anchor="ctr"/>
+                <a:lstStyle/>
+                <a:p>
+                  <a:pPr algn="ctr"/>
+                  <a:endParaRPr lang="en-US"/>
+                </a:p>
+              </p:txBody>
+            </p:sp>
+            <p:sp>
+              <p:nvSpPr>
+                <p:cNvPr id="10" name="Oval 9">
+                  <a:extLst>
+                    <a:ext uri="{FF2B5EF4-FFF2-40B4-BE49-F238E27FC236}">
+                      <a16:creationId xmlns:a16="http://schemas.microsoft.com/office/drawing/2014/main" id="{CE801BFE-5E20-48F7-85F6-7707EA60CEF6}"/>
+                    </a:ext>
+                  </a:extLst>
+                </p:cNvPr>
+                <p:cNvSpPr/>
+                <p:nvPr/>
+              </p:nvSpPr>
+              <p:spPr>
+                <a:xfrm>
+                  <a:off x="4130351" y="4795934"/>
+                  <a:ext cx="137160" cy="137160"/>
+                </a:xfrm>
+                <a:prstGeom prst="ellipse">
+                  <a:avLst/>
+                </a:prstGeom>
+                <a:solidFill>
+                  <a:schemeClr val="accent1">
+                    <a:lumMod val="75000"/>
+                  </a:schemeClr>
+                </a:solidFill>
+                <a:ln>
+                  <a:solidFill>
+                    <a:schemeClr val="accent1">
+                      <a:lumMod val="75000"/>
+                    </a:schemeClr>
+                  </a:solidFill>
+                </a:ln>
+              </p:spPr>
+              <p:style>
+                <a:lnRef idx="2">
+                  <a:schemeClr val="accent1">
+                    <a:shade val="50000"/>
+                  </a:schemeClr>
+                </a:lnRef>
+                <a:fillRef idx="1">
+                  <a:schemeClr val="accent1"/>
+                </a:fillRef>
+                <a:effectRef idx="0">
+                  <a:schemeClr val="accent1"/>
+                </a:effectRef>
+                <a:fontRef idx="minor">
+                  <a:schemeClr val="lt1"/>
+                </a:fontRef>
+              </p:style>
+              <p:txBody>
+                <a:bodyPr rtlCol="0" anchor="ctr"/>
+                <a:lstStyle/>
+                <a:p>
+                  <a:pPr algn="ctr"/>
+                  <a:endParaRPr lang="en-US"/>
+                </a:p>
+              </p:txBody>
+            </p:sp>
+            <p:sp>
+              <p:nvSpPr>
+                <p:cNvPr id="11" name="Oval 10">
+                  <a:extLst>
+                    <a:ext uri="{FF2B5EF4-FFF2-40B4-BE49-F238E27FC236}">
+                      <a16:creationId xmlns:a16="http://schemas.microsoft.com/office/drawing/2014/main" id="{9F4AB0D1-EA4F-4A23-BA06-F08F33FA1241}"/>
+                    </a:ext>
+                  </a:extLst>
+                </p:cNvPr>
+                <p:cNvSpPr/>
+                <p:nvPr/>
+              </p:nvSpPr>
+              <p:spPr>
+                <a:xfrm>
+                  <a:off x="3402564" y="5170890"/>
+                  <a:ext cx="137160" cy="137160"/>
+                </a:xfrm>
+                <a:prstGeom prst="ellipse">
+                  <a:avLst/>
+                </a:prstGeom>
+                <a:solidFill>
+                  <a:schemeClr val="accent2">
+                    <a:lumMod val="50000"/>
+                  </a:schemeClr>
+                </a:solidFill>
+                <a:ln>
+                  <a:solidFill>
+                    <a:schemeClr val="accent2">
+                      <a:lumMod val="50000"/>
+                    </a:schemeClr>
+                  </a:solidFill>
+                </a:ln>
+              </p:spPr>
+              <p:style>
+                <a:lnRef idx="2">
+                  <a:schemeClr val="accent1">
+                    <a:shade val="50000"/>
+                  </a:schemeClr>
+                </a:lnRef>
+                <a:fillRef idx="1">
+                  <a:schemeClr val="accent1"/>
+                </a:fillRef>
+                <a:effectRef idx="0">
+                  <a:schemeClr val="accent1"/>
+                </a:effectRef>
+                <a:fontRef idx="minor">
+                  <a:schemeClr val="lt1"/>
+                </a:fontRef>
+              </p:style>
+              <p:txBody>
+                <a:bodyPr rtlCol="0" anchor="ctr"/>
+                <a:lstStyle/>
+                <a:p>
+                  <a:pPr algn="ctr"/>
+                  <a:endParaRPr lang="en-US"/>
+                </a:p>
+              </p:txBody>
+            </p:sp>
+            <p:sp>
+              <p:nvSpPr>
+                <p:cNvPr id="12" name="Oval 11">
+                  <a:extLst>
+                    <a:ext uri="{FF2B5EF4-FFF2-40B4-BE49-F238E27FC236}">
+                      <a16:creationId xmlns:a16="http://schemas.microsoft.com/office/drawing/2014/main" id="{7D1D9B0D-071B-4110-897E-F639BC7A5124}"/>
+                    </a:ext>
+                  </a:extLst>
+                </p:cNvPr>
+                <p:cNvSpPr/>
+                <p:nvPr/>
+              </p:nvSpPr>
+              <p:spPr>
+                <a:xfrm>
+                  <a:off x="4130351" y="4696098"/>
+                  <a:ext cx="137160" cy="137160"/>
+                </a:xfrm>
+                <a:prstGeom prst="ellipse">
+                  <a:avLst/>
+                </a:prstGeom>
+                <a:solidFill>
+                  <a:schemeClr val="accent2">
+                    <a:lumMod val="50000"/>
+                  </a:schemeClr>
+                </a:solidFill>
+                <a:ln>
+                  <a:solidFill>
+                    <a:schemeClr val="accent2">
+                      <a:lumMod val="50000"/>
+                    </a:schemeClr>
+                  </a:solidFill>
+                </a:ln>
+              </p:spPr>
+              <p:style>
+                <a:lnRef idx="2">
+                  <a:schemeClr val="accent1">
+                    <a:shade val="50000"/>
+                  </a:schemeClr>
+                </a:lnRef>
+                <a:fillRef idx="1">
+                  <a:schemeClr val="accent1"/>
+                </a:fillRef>
+                <a:effectRef idx="0">
+                  <a:schemeClr val="accent1"/>
+                </a:effectRef>
+                <a:fontRef idx="minor">
+                  <a:schemeClr val="lt1"/>
+                </a:fontRef>
+              </p:style>
+              <p:txBody>
+                <a:bodyPr rtlCol="0" anchor="ctr"/>
+                <a:lstStyle/>
+                <a:p>
+                  <a:pPr algn="ctr"/>
+                  <a:endParaRPr lang="en-US"/>
+                </a:p>
+              </p:txBody>
+            </p:sp>
+            <p:sp>
+              <p:nvSpPr>
+                <p:cNvPr id="13" name="Oval 12">
+                  <a:extLst>
+                    <a:ext uri="{FF2B5EF4-FFF2-40B4-BE49-F238E27FC236}">
+                      <a16:creationId xmlns:a16="http://schemas.microsoft.com/office/drawing/2014/main" id="{210DCE01-61F4-4290-B461-F745AA6F5258}"/>
+                    </a:ext>
+                  </a:extLst>
+                </p:cNvPr>
+                <p:cNvSpPr/>
+                <p:nvPr/>
+              </p:nvSpPr>
+              <p:spPr>
+                <a:xfrm>
+                  <a:off x="5735370" y="2937918"/>
+                  <a:ext cx="137160" cy="137160"/>
+                </a:xfrm>
+                <a:prstGeom prst="ellipse">
+                  <a:avLst/>
+                </a:prstGeom>
+                <a:solidFill>
+                  <a:schemeClr val="accent2">
+                    <a:lumMod val="50000"/>
+                  </a:schemeClr>
+                </a:solidFill>
+                <a:ln>
+                  <a:solidFill>
+                    <a:schemeClr val="accent2">
+                      <a:lumMod val="50000"/>
+                    </a:schemeClr>
+                  </a:solidFill>
+                </a:ln>
+              </p:spPr>
+              <p:style>
+                <a:lnRef idx="2">
+                  <a:schemeClr val="accent1">
+                    <a:shade val="50000"/>
+                  </a:schemeClr>
+                </a:lnRef>
+                <a:fillRef idx="1">
+                  <a:schemeClr val="accent1"/>
+                </a:fillRef>
+                <a:effectRef idx="0">
+                  <a:schemeClr val="accent1"/>
+                </a:effectRef>
+                <a:fontRef idx="minor">
+                  <a:schemeClr val="lt1"/>
+                </a:fontRef>
+              </p:style>
+              <p:txBody>
+                <a:bodyPr rtlCol="0" anchor="ctr"/>
+                <a:lstStyle/>
+                <a:p>
+                  <a:pPr algn="ctr"/>
+                  <a:endParaRPr lang="en-US"/>
+                </a:p>
+              </p:txBody>
+            </p:sp>
+            <p:sp>
+              <p:nvSpPr>
+                <p:cNvPr id="14" name="Oval 13">
+                  <a:extLst>
+                    <a:ext uri="{FF2B5EF4-FFF2-40B4-BE49-F238E27FC236}">
+                      <a16:creationId xmlns:a16="http://schemas.microsoft.com/office/drawing/2014/main" id="{FD427A72-0D0B-4609-AE2D-F3C27008710F}"/>
+                    </a:ext>
+                  </a:extLst>
+                </p:cNvPr>
+                <p:cNvSpPr/>
+                <p:nvPr/>
+              </p:nvSpPr>
+              <p:spPr>
+                <a:xfrm>
+                  <a:off x="7240555" y="1972995"/>
+                  <a:ext cx="137160" cy="137160"/>
+                </a:xfrm>
+                <a:prstGeom prst="ellipse">
+                  <a:avLst/>
+                </a:prstGeom>
+                <a:solidFill>
+                  <a:schemeClr val="accent2">
+                    <a:lumMod val="50000"/>
+                  </a:schemeClr>
+                </a:solidFill>
+                <a:ln>
+                  <a:solidFill>
+                    <a:schemeClr val="accent2">
+                      <a:lumMod val="50000"/>
+                    </a:schemeClr>
+                  </a:solidFill>
+                </a:ln>
+              </p:spPr>
+              <p:style>
+                <a:lnRef idx="2">
+                  <a:schemeClr val="accent1">
+                    <a:shade val="50000"/>
+                  </a:schemeClr>
+                </a:lnRef>
+                <a:fillRef idx="1">
+                  <a:schemeClr val="accent1"/>
+                </a:fillRef>
+                <a:effectRef idx="0">
+                  <a:schemeClr val="accent1"/>
+                </a:effectRef>
+                <a:fontRef idx="minor">
+                  <a:schemeClr val="lt1"/>
+                </a:fontRef>
+              </p:style>
+              <p:txBody>
+                <a:bodyPr rtlCol="0" anchor="ctr"/>
+                <a:lstStyle/>
+                <a:p>
+                  <a:pPr algn="ctr"/>
+                  <a:endParaRPr lang="en-US"/>
+                </a:p>
+              </p:txBody>
+            </p:sp>
+            <p:sp>
+              <p:nvSpPr>
+                <p:cNvPr id="15" name="TextBox 14">
+                  <a:extLst>
+                    <a:ext uri="{FF2B5EF4-FFF2-40B4-BE49-F238E27FC236}">
+                      <a16:creationId xmlns:a16="http://schemas.microsoft.com/office/drawing/2014/main" id="{345E7851-5D79-489B-A3C2-69321AD52F8B}"/>
+                    </a:ext>
+                  </a:extLst>
+                </p:cNvPr>
+                <p:cNvSpPr txBox="1"/>
+                <p:nvPr/>
+              </p:nvSpPr>
+              <p:spPr>
+                <a:xfrm>
+                  <a:off x="3215304" y="3649543"/>
+                  <a:ext cx="574196" cy="338554"/>
+                </a:xfrm>
+                <a:prstGeom prst="rect">
+                  <a:avLst/>
+                </a:prstGeom>
+                <a:noFill/>
+              </p:spPr>
+              <p:txBody>
+                <a:bodyPr wrap="none" rtlCol="0">
+                  <a:spAutoFit/>
+                </a:bodyPr>
+                <a:lstStyle/>
+                <a:p>
+                  <a:r>
+                    <a:rPr lang="en-US" sz="1600" dirty="0">
+                      <a:solidFill>
+                        <a:srgbClr val="0070C0"/>
+                      </a:solidFill>
+                    </a:rPr>
+                    <a:t>HS-0</a:t>
+                  </a:r>
+                </a:p>
+              </p:txBody>
+            </p:sp>
+            <p:sp>
+              <p:nvSpPr>
+                <p:cNvPr id="16" name="TextBox 15">
+                  <a:extLst>
+                    <a:ext uri="{FF2B5EF4-FFF2-40B4-BE49-F238E27FC236}">
+                      <a16:creationId xmlns:a16="http://schemas.microsoft.com/office/drawing/2014/main" id="{E7525717-043F-4463-91DC-4C84AAB0FE20}"/>
+                    </a:ext>
+                  </a:extLst>
+                </p:cNvPr>
+                <p:cNvSpPr txBox="1"/>
+                <p:nvPr/>
+              </p:nvSpPr>
+              <p:spPr>
+                <a:xfrm>
+                  <a:off x="3911833" y="3309405"/>
+                  <a:ext cx="574196" cy="338554"/>
+                </a:xfrm>
+                <a:prstGeom prst="rect">
+                  <a:avLst/>
+                </a:prstGeom>
+                <a:noFill/>
+              </p:spPr>
+              <p:txBody>
+                <a:bodyPr wrap="none" rtlCol="0">
+                  <a:spAutoFit/>
+                </a:bodyPr>
+                <a:lstStyle/>
+                <a:p>
+                  <a:r>
+                    <a:rPr lang="en-US" sz="1600" dirty="0">
+                      <a:solidFill>
+                        <a:srgbClr val="0070C0"/>
+                      </a:solidFill>
+                    </a:rPr>
+                    <a:t>HS-1</a:t>
+                  </a:r>
+                </a:p>
+              </p:txBody>
+            </p:sp>
+            <p:sp>
+              <p:nvSpPr>
+                <p:cNvPr id="17" name="TextBox 16">
+                  <a:extLst>
+                    <a:ext uri="{FF2B5EF4-FFF2-40B4-BE49-F238E27FC236}">
+                      <a16:creationId xmlns:a16="http://schemas.microsoft.com/office/drawing/2014/main" id="{2A809946-BBC2-438E-A7FD-5AFE7DB6AC47}"/>
+                    </a:ext>
+                  </a:extLst>
+                </p:cNvPr>
+                <p:cNvSpPr txBox="1"/>
+                <p:nvPr/>
+              </p:nvSpPr>
+              <p:spPr>
+                <a:xfrm>
+                  <a:off x="5457605" y="2059439"/>
+                  <a:ext cx="574196" cy="338554"/>
+                </a:xfrm>
+                <a:prstGeom prst="rect">
+                  <a:avLst/>
+                </a:prstGeom>
+                <a:noFill/>
+              </p:spPr>
+              <p:txBody>
+                <a:bodyPr wrap="none" rtlCol="0">
+                  <a:spAutoFit/>
+                </a:bodyPr>
+                <a:lstStyle/>
+                <a:p>
+                  <a:r>
+                    <a:rPr lang="en-US" sz="1600" dirty="0">
+                      <a:solidFill>
+                        <a:srgbClr val="0070C0"/>
+                      </a:solidFill>
+                    </a:rPr>
+                    <a:t>HS-2</a:t>
+                  </a:r>
+                </a:p>
+              </p:txBody>
+            </p:sp>
+            <p:sp>
+              <p:nvSpPr>
+                <p:cNvPr id="18" name="TextBox 17">
+                  <a:extLst>
+                    <a:ext uri="{FF2B5EF4-FFF2-40B4-BE49-F238E27FC236}">
+                      <a16:creationId xmlns:a16="http://schemas.microsoft.com/office/drawing/2014/main" id="{F5BDE1A0-89FF-4491-A9DE-6E54CC335F28}"/>
+                    </a:ext>
+                  </a:extLst>
+                </p:cNvPr>
+                <p:cNvSpPr txBox="1"/>
+                <p:nvPr/>
+              </p:nvSpPr>
+              <p:spPr>
+                <a:xfrm>
+                  <a:off x="7053295" y="702065"/>
+                  <a:ext cx="574196" cy="338554"/>
+                </a:xfrm>
+                <a:prstGeom prst="rect">
+                  <a:avLst/>
+                </a:prstGeom>
+                <a:noFill/>
+              </p:spPr>
+              <p:txBody>
+                <a:bodyPr wrap="none" rtlCol="0">
+                  <a:spAutoFit/>
+                </a:bodyPr>
+                <a:lstStyle/>
+                <a:p>
+                  <a:r>
+                    <a:rPr lang="en-US" sz="1600" dirty="0">
+                      <a:solidFill>
+                        <a:srgbClr val="0070C0"/>
+                      </a:solidFill>
+                    </a:rPr>
+                    <a:t>HS-3</a:t>
+                  </a:r>
+                </a:p>
+              </p:txBody>
+            </p:sp>
+            <p:sp>
+              <p:nvSpPr>
+                <p:cNvPr id="19" name="Rectangle 18">
+                  <a:extLst>
+                    <a:ext uri="{FF2B5EF4-FFF2-40B4-BE49-F238E27FC236}">
+                      <a16:creationId xmlns:a16="http://schemas.microsoft.com/office/drawing/2014/main" id="{EF570B68-6B3D-4166-A234-78D3E6CD1910}"/>
+                    </a:ext>
+                  </a:extLst>
+                </p:cNvPr>
+                <p:cNvSpPr/>
+                <p:nvPr/>
+              </p:nvSpPr>
+              <p:spPr>
+                <a:xfrm>
+                  <a:off x="3233966" y="5511544"/>
+                  <a:ext cx="4902328" cy="337339"/>
+                </a:xfrm>
+                <a:prstGeom prst="rect">
+                  <a:avLst/>
+                </a:prstGeom>
+                <a:solidFill>
+                  <a:schemeClr val="bg1"/>
+                </a:solidFill>
+                <a:ln>
+                  <a:noFill/>
+                </a:ln>
+              </p:spPr>
+              <p:style>
+                <a:lnRef idx="2">
+                  <a:schemeClr val="accent1">
+                    <a:shade val="50000"/>
+                  </a:schemeClr>
+                </a:lnRef>
+                <a:fillRef idx="1">
+                  <a:schemeClr val="accent1"/>
+                </a:fillRef>
+                <a:effectRef idx="0">
+                  <a:schemeClr val="accent1"/>
+                </a:effectRef>
+                <a:fontRef idx="minor">
+                  <a:schemeClr val="lt1"/>
+                </a:fontRef>
+              </p:style>
+              <p:txBody>
+                <a:bodyPr rtlCol="0" anchor="ctr"/>
+                <a:lstStyle/>
+                <a:p>
+                  <a:pPr algn="ctr"/>
+                  <a:endParaRPr lang="en-US"/>
+                </a:p>
+              </p:txBody>
+            </p:sp>
+            <p:sp>
+              <p:nvSpPr>
+                <p:cNvPr id="21" name="Oval 20">
+                  <a:extLst>
+                    <a:ext uri="{FF2B5EF4-FFF2-40B4-BE49-F238E27FC236}">
+                      <a16:creationId xmlns:a16="http://schemas.microsoft.com/office/drawing/2014/main" id="{8F2B7B2F-E3A9-467E-9E6A-03C327838DA8}"/>
+                    </a:ext>
+                  </a:extLst>
+                </p:cNvPr>
+                <p:cNvSpPr/>
+                <p:nvPr/>
+              </p:nvSpPr>
+              <p:spPr>
+                <a:xfrm>
+                  <a:off x="7340393" y="5272637"/>
+                  <a:ext cx="137160" cy="137160"/>
+                </a:xfrm>
+                <a:prstGeom prst="ellipse">
+                  <a:avLst/>
+                </a:prstGeom>
+                <a:solidFill>
+                  <a:schemeClr val="accent1">
+                    <a:lumMod val="75000"/>
+                  </a:schemeClr>
+                </a:solidFill>
+                <a:ln>
+                  <a:solidFill>
+                    <a:schemeClr val="accent1">
+                      <a:lumMod val="75000"/>
+                    </a:schemeClr>
+                  </a:solidFill>
+                </a:ln>
+              </p:spPr>
+              <p:style>
+                <a:lnRef idx="2">
+                  <a:schemeClr val="accent1">
+                    <a:shade val="50000"/>
+                  </a:schemeClr>
+                </a:lnRef>
+                <a:fillRef idx="1">
+                  <a:schemeClr val="accent1"/>
+                </a:fillRef>
+                <a:effectRef idx="0">
+                  <a:schemeClr val="accent1"/>
+                </a:effectRef>
+                <a:fontRef idx="minor">
+                  <a:schemeClr val="lt1"/>
+                </a:fontRef>
+              </p:style>
+              <p:txBody>
+                <a:bodyPr rtlCol="0" anchor="ctr"/>
+                <a:lstStyle/>
+                <a:p>
+                  <a:pPr algn="ctr"/>
+                  <a:endParaRPr lang="en-US"/>
+                </a:p>
+              </p:txBody>
+            </p:sp>
+            <p:sp>
+              <p:nvSpPr>
+                <p:cNvPr id="22" name="Oval 21">
+                  <a:extLst>
+                    <a:ext uri="{FF2B5EF4-FFF2-40B4-BE49-F238E27FC236}">
+                      <a16:creationId xmlns:a16="http://schemas.microsoft.com/office/drawing/2014/main" id="{9DA936EF-013D-4A70-9A12-E8C54A7BAC03}"/>
+                    </a:ext>
+                  </a:extLst>
+                </p:cNvPr>
+                <p:cNvSpPr/>
+                <p:nvPr/>
+              </p:nvSpPr>
+              <p:spPr>
+                <a:xfrm>
+                  <a:off x="7558911" y="5276744"/>
+                  <a:ext cx="137160" cy="137160"/>
+                </a:xfrm>
+                <a:prstGeom prst="ellipse">
+                  <a:avLst/>
+                </a:prstGeom>
+                <a:solidFill>
+                  <a:schemeClr val="accent2">
+                    <a:lumMod val="50000"/>
+                  </a:schemeClr>
+                </a:solidFill>
+                <a:ln>
+                  <a:solidFill>
+                    <a:schemeClr val="accent2">
+                      <a:lumMod val="50000"/>
+                    </a:schemeClr>
+                  </a:solidFill>
+                </a:ln>
+              </p:spPr>
+              <p:style>
+                <a:lnRef idx="2">
+                  <a:schemeClr val="accent1">
+                    <a:shade val="50000"/>
+                  </a:schemeClr>
+                </a:lnRef>
+                <a:fillRef idx="1">
+                  <a:schemeClr val="accent1"/>
+                </a:fillRef>
+                <a:effectRef idx="0">
+                  <a:schemeClr val="accent1"/>
+                </a:effectRef>
+                <a:fontRef idx="minor">
+                  <a:schemeClr val="lt1"/>
+                </a:fontRef>
+              </p:style>
+              <p:txBody>
+                <a:bodyPr rtlCol="0" anchor="ctr"/>
+                <a:lstStyle/>
+                <a:p>
+                  <a:pPr algn="ctr"/>
+                  <a:endParaRPr lang="en-US"/>
+                </a:p>
+              </p:txBody>
+            </p:sp>
+            <p:sp>
+              <p:nvSpPr>
+                <p:cNvPr id="24" name="TextBox 23">
+                  <a:extLst>
+                    <a:ext uri="{FF2B5EF4-FFF2-40B4-BE49-F238E27FC236}">
+                      <a16:creationId xmlns:a16="http://schemas.microsoft.com/office/drawing/2014/main" id="{2DE32253-B162-4006-A951-5AEB11A524DC}"/>
+                    </a:ext>
+                  </a:extLst>
+                </p:cNvPr>
+                <p:cNvSpPr txBox="1"/>
+                <p:nvPr/>
+              </p:nvSpPr>
+              <p:spPr>
+                <a:xfrm>
+                  <a:off x="3307646" y="5445409"/>
+                  <a:ext cx="397866" cy="338554"/>
+                </a:xfrm>
+                <a:prstGeom prst="rect">
+                  <a:avLst/>
+                </a:prstGeom>
+                <a:noFill/>
+              </p:spPr>
+              <p:txBody>
+                <a:bodyPr wrap="none" rtlCol="0">
+                  <a:spAutoFit/>
+                </a:bodyPr>
+                <a:lstStyle/>
+                <a:p>
+                  <a:r>
+                    <a:rPr lang="en-US" sz="1600" dirty="0">
+                      <a:solidFill>
+                        <a:srgbClr val="0070C0"/>
+                      </a:solidFill>
+                    </a:rPr>
+                    <a:t>C0</a:t>
+                  </a:r>
+                </a:p>
+              </p:txBody>
+            </p:sp>
+            <p:sp>
+              <p:nvSpPr>
+                <p:cNvPr id="25" name="TextBox 24">
+                  <a:extLst>
+                    <a:ext uri="{FF2B5EF4-FFF2-40B4-BE49-F238E27FC236}">
+                      <a16:creationId xmlns:a16="http://schemas.microsoft.com/office/drawing/2014/main" id="{4654C005-770C-4B0A-BDEA-A3F2A2A00D2B}"/>
+                    </a:ext>
+                  </a:extLst>
+                </p:cNvPr>
+                <p:cNvSpPr txBox="1"/>
+                <p:nvPr/>
+              </p:nvSpPr>
+              <p:spPr>
+                <a:xfrm>
+                  <a:off x="4054296" y="4953206"/>
+                  <a:ext cx="397866" cy="338554"/>
+                </a:xfrm>
+                <a:prstGeom prst="rect">
+                  <a:avLst/>
+                </a:prstGeom>
+                <a:noFill/>
+              </p:spPr>
+              <p:txBody>
+                <a:bodyPr wrap="none" rtlCol="0">
+                  <a:spAutoFit/>
+                </a:bodyPr>
+                <a:lstStyle/>
+                <a:p>
+                  <a:r>
+                    <a:rPr lang="en-US" sz="1600" dirty="0">
+                      <a:solidFill>
+                        <a:srgbClr val="0070C0"/>
+                      </a:solidFill>
+                    </a:rPr>
+                    <a:t>C1</a:t>
+                  </a:r>
+                </a:p>
+              </p:txBody>
+            </p:sp>
+            <p:sp>
+              <p:nvSpPr>
+                <p:cNvPr id="26" name="TextBox 25">
+                  <a:extLst>
+                    <a:ext uri="{FF2B5EF4-FFF2-40B4-BE49-F238E27FC236}">
+                      <a16:creationId xmlns:a16="http://schemas.microsoft.com/office/drawing/2014/main" id="{B1313F6A-3CB7-4AA1-924D-7A14E37154DD}"/>
+                    </a:ext>
+                  </a:extLst>
+                </p:cNvPr>
+                <p:cNvSpPr txBox="1"/>
+                <p:nvPr/>
+              </p:nvSpPr>
+              <p:spPr>
+                <a:xfrm>
+                  <a:off x="5573125" y="4004042"/>
+                  <a:ext cx="554960" cy="338554"/>
+                </a:xfrm>
+                <a:prstGeom prst="rect">
+                  <a:avLst/>
+                </a:prstGeom>
+                <a:noFill/>
+              </p:spPr>
+              <p:txBody>
+                <a:bodyPr wrap="square" rtlCol="0">
+                  <a:spAutoFit/>
+                </a:bodyPr>
+                <a:lstStyle/>
+                <a:p>
+                  <a:r>
+                    <a:rPr lang="en-US" sz="1600" dirty="0">
+                      <a:solidFill>
+                        <a:srgbClr val="0070C0"/>
+                      </a:solidFill>
+                    </a:rPr>
+                    <a:t>C2</a:t>
+                  </a:r>
+                </a:p>
+              </p:txBody>
+            </p:sp>
+            <p:sp>
+              <p:nvSpPr>
+                <p:cNvPr id="27" name="TextBox 26">
+                  <a:extLst>
+                    <a:ext uri="{FF2B5EF4-FFF2-40B4-BE49-F238E27FC236}">
+                      <a16:creationId xmlns:a16="http://schemas.microsoft.com/office/drawing/2014/main" id="{27EB597D-730D-430D-B45F-E45D5C0EC9AB}"/>
+                    </a:ext>
+                  </a:extLst>
+                </p:cNvPr>
+                <p:cNvSpPr txBox="1"/>
+                <p:nvPr/>
+              </p:nvSpPr>
+              <p:spPr>
+                <a:xfrm>
+                  <a:off x="7121875" y="2903819"/>
+                  <a:ext cx="397866" cy="338554"/>
+                </a:xfrm>
+                <a:prstGeom prst="rect">
+                  <a:avLst/>
+                </a:prstGeom>
+                <a:noFill/>
+              </p:spPr>
+              <p:txBody>
+                <a:bodyPr wrap="none" rtlCol="0">
+                  <a:spAutoFit/>
+                </a:bodyPr>
+                <a:lstStyle/>
+                <a:p>
+                  <a:r>
+                    <a:rPr lang="en-US" sz="1600" dirty="0">
+                      <a:solidFill>
+                        <a:srgbClr val="0070C0"/>
+                      </a:solidFill>
+                    </a:rPr>
+                    <a:t>C3</a:t>
+                  </a:r>
+                </a:p>
+              </p:txBody>
+            </p:sp>
+            <p:sp>
+              <p:nvSpPr>
+                <p:cNvPr id="28" name="TextBox 27">
+                  <a:extLst>
+                    <a:ext uri="{FF2B5EF4-FFF2-40B4-BE49-F238E27FC236}">
+                      <a16:creationId xmlns:a16="http://schemas.microsoft.com/office/drawing/2014/main" id="{55D722E3-089D-4112-8435-058191B7C1BF}"/>
+                    </a:ext>
+                  </a:extLst>
+                </p:cNvPr>
+                <p:cNvSpPr txBox="1"/>
+                <p:nvPr/>
+              </p:nvSpPr>
+              <p:spPr>
+                <a:xfrm>
+                  <a:off x="3290237" y="4704497"/>
+                  <a:ext cx="388248" cy="338554"/>
+                </a:xfrm>
+                <a:prstGeom prst="rect">
+                  <a:avLst/>
+                </a:prstGeom>
+                <a:noFill/>
+              </p:spPr>
+              <p:txBody>
+                <a:bodyPr wrap="none" rtlCol="0">
+                  <a:spAutoFit/>
+                </a:bodyPr>
+                <a:lstStyle/>
+                <a:p>
+                  <a:r>
+                    <a:rPr lang="en-US" sz="1600" dirty="0">
+                      <a:solidFill>
+                        <a:schemeClr val="accent2">
+                          <a:lumMod val="50000"/>
+                        </a:schemeClr>
+                      </a:solidFill>
+                    </a:rPr>
+                    <a:t>T0</a:t>
+                  </a:r>
+                </a:p>
+              </p:txBody>
+            </p:sp>
+            <p:sp>
+              <p:nvSpPr>
+                <p:cNvPr id="29" name="TextBox 28">
+                  <a:extLst>
+                    <a:ext uri="{FF2B5EF4-FFF2-40B4-BE49-F238E27FC236}">
+                      <a16:creationId xmlns:a16="http://schemas.microsoft.com/office/drawing/2014/main" id="{C4F3DD12-46D7-4DBC-BBEF-BBBD9C188B54}"/>
+                    </a:ext>
+                  </a:extLst>
+                </p:cNvPr>
+                <p:cNvSpPr txBox="1"/>
+                <p:nvPr/>
+              </p:nvSpPr>
+              <p:spPr>
+                <a:xfrm>
+                  <a:off x="4004807" y="4228129"/>
+                  <a:ext cx="388248" cy="338554"/>
+                </a:xfrm>
+                <a:prstGeom prst="rect">
+                  <a:avLst/>
+                </a:prstGeom>
+                <a:noFill/>
+              </p:spPr>
+              <p:txBody>
+                <a:bodyPr wrap="none" rtlCol="0">
+                  <a:spAutoFit/>
+                </a:bodyPr>
+                <a:lstStyle/>
+                <a:p>
+                  <a:r>
+                    <a:rPr lang="en-US" sz="1600" dirty="0">
+                      <a:solidFill>
+                        <a:schemeClr val="accent2">
+                          <a:lumMod val="50000"/>
+                        </a:schemeClr>
+                      </a:solidFill>
+                    </a:rPr>
+                    <a:t>T1</a:t>
+                  </a:r>
+                </a:p>
+              </p:txBody>
+            </p:sp>
+            <p:sp>
+              <p:nvSpPr>
+                <p:cNvPr id="30" name="TextBox 29">
+                  <a:extLst>
+                    <a:ext uri="{FF2B5EF4-FFF2-40B4-BE49-F238E27FC236}">
+                      <a16:creationId xmlns:a16="http://schemas.microsoft.com/office/drawing/2014/main" id="{5353FED8-6BC2-4602-B24A-07A0E0AAF9DB}"/>
+                    </a:ext>
+                  </a:extLst>
+                </p:cNvPr>
+                <p:cNvSpPr txBox="1"/>
+                <p:nvPr/>
+              </p:nvSpPr>
+              <p:spPr>
+                <a:xfrm>
+                  <a:off x="5615755" y="3106805"/>
+                  <a:ext cx="388248" cy="338554"/>
+                </a:xfrm>
+                <a:prstGeom prst="rect">
+                  <a:avLst/>
+                </a:prstGeom>
+                <a:noFill/>
+              </p:spPr>
+              <p:txBody>
+                <a:bodyPr wrap="none" rtlCol="0">
+                  <a:spAutoFit/>
+                </a:bodyPr>
+                <a:lstStyle/>
+                <a:p>
+                  <a:r>
+                    <a:rPr lang="en-US" sz="1600" dirty="0">
+                      <a:solidFill>
+                        <a:schemeClr val="accent2">
+                          <a:lumMod val="50000"/>
+                        </a:schemeClr>
+                      </a:solidFill>
+                    </a:rPr>
+                    <a:t>T2</a:t>
+                  </a:r>
+                </a:p>
+              </p:txBody>
+            </p:sp>
+            <p:sp>
+              <p:nvSpPr>
+                <p:cNvPr id="31" name="TextBox 30">
+                  <a:extLst>
+                    <a:ext uri="{FF2B5EF4-FFF2-40B4-BE49-F238E27FC236}">
+                      <a16:creationId xmlns:a16="http://schemas.microsoft.com/office/drawing/2014/main" id="{6125C36E-09EE-4627-A4EC-1137A6EF240E}"/>
+                    </a:ext>
+                  </a:extLst>
+                </p:cNvPr>
+                <p:cNvSpPr txBox="1"/>
+                <p:nvPr/>
+              </p:nvSpPr>
+              <p:spPr>
+                <a:xfrm>
+                  <a:off x="7100235" y="1611925"/>
+                  <a:ext cx="388248" cy="338554"/>
+                </a:xfrm>
+                <a:prstGeom prst="rect">
+                  <a:avLst/>
+                </a:prstGeom>
+                <a:noFill/>
+              </p:spPr>
+              <p:txBody>
+                <a:bodyPr wrap="none" rtlCol="0">
+                  <a:spAutoFit/>
+                </a:bodyPr>
+                <a:lstStyle/>
+                <a:p>
+                  <a:r>
+                    <a:rPr lang="en-US" sz="1600" dirty="0">
+                      <a:solidFill>
+                        <a:schemeClr val="accent2">
+                          <a:lumMod val="50000"/>
+                        </a:schemeClr>
+                      </a:solidFill>
+                    </a:rPr>
+                    <a:t>T3</a:t>
+                  </a:r>
+                </a:p>
+              </p:txBody>
+            </p:sp>
+          </p:grpSp>
+          <p:cxnSp>
+            <p:nvCxnSpPr>
+              <p:cNvPr id="35" name="Straight Connector 34">
+                <a:extLst>
+                  <a:ext uri="{FF2B5EF4-FFF2-40B4-BE49-F238E27FC236}">
+                    <a16:creationId xmlns:a16="http://schemas.microsoft.com/office/drawing/2014/main" id="{81FD7F67-0E6A-472A-93AD-2AF6B6299DCD}"/>
+                  </a:ext>
+                </a:extLst>
+              </p:cNvPr>
+              <p:cNvCxnSpPr>
+                <a:cxnSpLocks/>
+                <a:endCxn id="13" idx="3"/>
+              </p:cNvCxnSpPr>
+              <p:nvPr/>
+            </p:nvCxnSpPr>
+            <p:spPr>
+              <a:xfrm flipV="1">
+                <a:off x="4241366" y="3054991"/>
+                <a:ext cx="1514091" cy="1641107"/>
+              </a:xfrm>
+              <a:prstGeom prst="line">
+                <a:avLst/>
+              </a:prstGeom>
+              <a:ln w="34925">
+                <a:solidFill>
+                  <a:schemeClr val="accent2">
+                    <a:lumMod val="50000"/>
+                  </a:schemeClr>
+                </a:solidFill>
+              </a:ln>
+            </p:spPr>
+            <p:style>
+              <a:lnRef idx="1">
+                <a:schemeClr val="accent1"/>
+              </a:lnRef>
+              <a:fillRef idx="0">
+                <a:schemeClr val="accent1"/>
+              </a:fillRef>
+              <a:effectRef idx="0">
+                <a:schemeClr val="accent1"/>
+              </a:effectRef>
+              <a:fontRef idx="minor">
+                <a:schemeClr val="tx1"/>
+              </a:fontRef>
+            </p:style>
+          </p:cxnSp>
+          <p:cxnSp>
+            <p:nvCxnSpPr>
+              <p:cNvPr id="39" name="Straight Connector 38">
+                <a:extLst>
+                  <a:ext uri="{FF2B5EF4-FFF2-40B4-BE49-F238E27FC236}">
+                    <a16:creationId xmlns:a16="http://schemas.microsoft.com/office/drawing/2014/main" id="{FA0D0927-4614-4839-AB7F-0B6A88911D5F}"/>
+                  </a:ext>
+                </a:extLst>
+              </p:cNvPr>
+              <p:cNvCxnSpPr>
+                <a:cxnSpLocks/>
+                <a:stCxn id="13" idx="7"/>
+                <a:endCxn id="14" idx="3"/>
+              </p:cNvCxnSpPr>
+              <p:nvPr/>
+            </p:nvCxnSpPr>
+            <p:spPr>
+              <a:xfrm flipV="1">
+                <a:off x="5852443" y="2090068"/>
+                <a:ext cx="1408199" cy="867937"/>
+              </a:xfrm>
+              <a:prstGeom prst="line">
+                <a:avLst/>
+              </a:prstGeom>
+              <a:ln w="34925">
+                <a:solidFill>
+                  <a:schemeClr val="accent2">
+                    <a:lumMod val="50000"/>
+                  </a:schemeClr>
+                </a:solidFill>
+              </a:ln>
+            </p:spPr>
+            <p:style>
+              <a:lnRef idx="1">
+                <a:schemeClr val="accent1"/>
+              </a:lnRef>
+              <a:fillRef idx="0">
+                <a:schemeClr val="accent1"/>
+              </a:fillRef>
+              <a:effectRef idx="0">
+                <a:schemeClr val="accent1"/>
+              </a:effectRef>
+              <a:fontRef idx="minor">
+                <a:schemeClr val="tx1"/>
+              </a:fontRef>
+            </p:style>
+          </p:cxnSp>
+          <p:cxnSp>
+            <p:nvCxnSpPr>
+              <p:cNvPr id="42" name="Straight Connector 41">
+                <a:extLst>
+                  <a:ext uri="{FF2B5EF4-FFF2-40B4-BE49-F238E27FC236}">
+                    <a16:creationId xmlns:a16="http://schemas.microsoft.com/office/drawing/2014/main" id="{DE74D9C6-8100-484C-8FE0-58D65636F800}"/>
+                  </a:ext>
+                </a:extLst>
+              </p:cNvPr>
+              <p:cNvCxnSpPr>
+                <a:cxnSpLocks/>
+              </p:cNvCxnSpPr>
+              <p:nvPr/>
+            </p:nvCxnSpPr>
+            <p:spPr>
+              <a:xfrm flipV="1">
+                <a:off x="4198931" y="1972995"/>
+                <a:ext cx="10313" cy="1303087"/>
+              </a:xfrm>
+              <a:prstGeom prst="line">
+                <a:avLst/>
+              </a:prstGeom>
+              <a:ln w="15875">
+                <a:solidFill>
+                  <a:schemeClr val="accent2">
+                    <a:lumMod val="50000"/>
+                  </a:schemeClr>
+                </a:solidFill>
+                <a:prstDash val="sysDot"/>
+              </a:ln>
+            </p:spPr>
+            <p:style>
+              <a:lnRef idx="1">
+                <a:schemeClr val="accent1"/>
+              </a:lnRef>
+              <a:fillRef idx="0">
+                <a:schemeClr val="accent1"/>
+              </a:fillRef>
+              <a:effectRef idx="0">
+                <a:schemeClr val="accent1"/>
+              </a:effectRef>
+              <a:fontRef idx="minor">
+                <a:schemeClr val="tx1"/>
+              </a:fontRef>
+            </p:style>
+          </p:cxnSp>
+          <p:sp>
+            <p:nvSpPr>
+              <p:cNvPr id="45" name="TextBox 44">
+                <a:extLst>
+                  <a:ext uri="{FF2B5EF4-FFF2-40B4-BE49-F238E27FC236}">
+                    <a16:creationId xmlns:a16="http://schemas.microsoft.com/office/drawing/2014/main" id="{E5C2CE58-5360-41CF-8EA4-EB3B4129AC75}"/>
+                  </a:ext>
+                </a:extLst>
+              </p:cNvPr>
+              <p:cNvSpPr txBox="1"/>
+              <p:nvPr/>
+            </p:nvSpPr>
+            <p:spPr>
+              <a:xfrm>
+                <a:off x="3711137" y="1201008"/>
+                <a:ext cx="975588" cy="738664"/>
+              </a:xfrm>
+              <a:prstGeom prst="rect">
+                <a:avLst/>
+              </a:prstGeom>
+              <a:noFill/>
+            </p:spPr>
+            <p:txBody>
+              <a:bodyPr wrap="none" rtlCol="0">
+                <a:spAutoFit/>
+              </a:bodyPr>
+              <a:lstStyle/>
+              <a:p>
+                <a:pPr algn="ctr"/>
+                <a:r>
+                  <a:rPr lang="en-US" sz="1400" dirty="0">
+                    <a:solidFill>
+                      <a:schemeClr val="accent2">
+                        <a:lumMod val="50000"/>
+                      </a:schemeClr>
+                    </a:solidFill>
+                  </a:rPr>
+                  <a:t>Start of </a:t>
+                </a:r>
+              </a:p>
+              <a:p>
+                <a:pPr algn="ctr"/>
+                <a:r>
+                  <a:rPr lang="en-US" sz="1400" dirty="0">
+                    <a:solidFill>
+                      <a:schemeClr val="accent2">
+                        <a:lumMod val="50000"/>
+                      </a:schemeClr>
+                    </a:solidFill>
+                  </a:rPr>
+                  <a:t>Treatment</a:t>
+                </a:r>
+              </a:p>
+              <a:p>
+                <a:pPr algn="ctr"/>
+                <a:r>
+                  <a:rPr lang="en-US" sz="1400" dirty="0">
+                    <a:solidFill>
+                      <a:schemeClr val="accent2">
+                        <a:lumMod val="50000"/>
+                      </a:schemeClr>
+                    </a:solidFill>
+                  </a:rPr>
+                  <a:t>Periods</a:t>
+                </a:r>
+              </a:p>
+            </p:txBody>
+          </p:sp>
+          <p:sp>
+            <p:nvSpPr>
+              <p:cNvPr id="46" name="Rectangle 45">
+                <a:extLst>
+                  <a:ext uri="{FF2B5EF4-FFF2-40B4-BE49-F238E27FC236}">
+                    <a16:creationId xmlns:a16="http://schemas.microsoft.com/office/drawing/2014/main" id="{7D4E7CE4-7A7F-4041-A5E9-079C97DA10D5}"/>
+                  </a:ext>
+                </a:extLst>
+              </p:cNvPr>
+              <p:cNvSpPr/>
+              <p:nvPr/>
+            </p:nvSpPr>
+            <p:spPr>
+              <a:xfrm>
+                <a:off x="7436850" y="1835485"/>
+                <a:ext cx="2127367" cy="928745"/>
+              </a:xfrm>
+              <a:prstGeom prst="rect">
+                <a:avLst/>
+              </a:prstGeom>
+              <a:solidFill>
+                <a:schemeClr val="bg1"/>
+              </a:solidFill>
+              <a:ln>
+                <a:noFill/>
+              </a:ln>
+            </p:spPr>
+            <p:style>
+              <a:lnRef idx="2">
+                <a:schemeClr val="accent1">
+                  <a:shade val="50000"/>
+                </a:schemeClr>
+              </a:lnRef>
+              <a:fillRef idx="1">
+                <a:schemeClr val="accent1"/>
+              </a:fillRef>
+              <a:effectRef idx="0">
+                <a:schemeClr val="accent1"/>
+              </a:effectRef>
+              <a:fontRef idx="minor">
+                <a:schemeClr val="lt1"/>
+              </a:fontRef>
+            </p:style>
+            <p:txBody>
+              <a:bodyPr rtlCol="0" anchor="ctr"/>
+              <a:lstStyle/>
+              <a:p>
+                <a:pPr algn="ctr"/>
+                <a:endParaRPr lang="en-US"/>
+              </a:p>
+            </p:txBody>
+          </p:sp>
+          <p:sp>
+            <p:nvSpPr>
+              <p:cNvPr id="47" name="TextBox 46">
+                <a:extLst>
+                  <a:ext uri="{FF2B5EF4-FFF2-40B4-BE49-F238E27FC236}">
+                    <a16:creationId xmlns:a16="http://schemas.microsoft.com/office/drawing/2014/main" id="{E19026F5-A2FE-4D35-8C9C-C3E4AEF9F657}"/>
+                  </a:ext>
+                </a:extLst>
+              </p:cNvPr>
+              <p:cNvSpPr txBox="1"/>
+              <p:nvPr/>
+            </p:nvSpPr>
+            <p:spPr>
+              <a:xfrm>
+                <a:off x="7608349" y="1835485"/>
+                <a:ext cx="1440907" cy="307777"/>
+              </a:xfrm>
+              <a:prstGeom prst="rect">
+                <a:avLst/>
+              </a:prstGeom>
+              <a:noFill/>
+            </p:spPr>
+            <p:txBody>
+              <a:bodyPr wrap="none" rtlCol="0">
+                <a:spAutoFit/>
+              </a:bodyPr>
+              <a:lstStyle/>
+              <a:p>
+                <a:pPr algn="ctr"/>
+                <a:r>
+                  <a:rPr lang="en-US" sz="1400" dirty="0">
+                    <a:solidFill>
+                      <a:schemeClr val="accent2">
+                        <a:lumMod val="50000"/>
+                      </a:schemeClr>
+                    </a:solidFill>
+                  </a:rPr>
+                  <a:t>Treatment Group</a:t>
+                </a:r>
+              </a:p>
+            </p:txBody>
+          </p:sp>
+          <p:sp>
+            <p:nvSpPr>
+              <p:cNvPr id="48" name="TextBox 47">
+                <a:extLst>
+                  <a:ext uri="{FF2B5EF4-FFF2-40B4-BE49-F238E27FC236}">
+                    <a16:creationId xmlns:a16="http://schemas.microsoft.com/office/drawing/2014/main" id="{B48DE9BF-0068-44B7-ABE0-F37EDFFF4C88}"/>
+                  </a:ext>
+                </a:extLst>
+              </p:cNvPr>
+              <p:cNvSpPr txBox="1"/>
+              <p:nvPr/>
+            </p:nvSpPr>
+            <p:spPr>
+              <a:xfrm>
+                <a:off x="7637337" y="2514033"/>
+                <a:ext cx="1222386" cy="307777"/>
+              </a:xfrm>
+              <a:prstGeom prst="rect">
+                <a:avLst/>
+              </a:prstGeom>
+              <a:noFill/>
+            </p:spPr>
+            <p:txBody>
+              <a:bodyPr wrap="none" rtlCol="0">
+                <a:spAutoFit/>
+              </a:bodyPr>
+              <a:lstStyle/>
+              <a:p>
+                <a:pPr algn="ctr"/>
+                <a:r>
+                  <a:rPr lang="en-US" sz="1400" dirty="0">
+                    <a:solidFill>
+                      <a:schemeClr val="accent1">
+                        <a:lumMod val="50000"/>
+                      </a:schemeClr>
+                    </a:solidFill>
+                  </a:rPr>
+                  <a:t>Control Group</a:t>
+                </a:r>
+              </a:p>
+            </p:txBody>
+          </p:sp>
+        </p:grpSp>
+        <p:sp>
+          <p:nvSpPr>
+            <p:cNvPr id="50" name="Rectangle 49">
+              <a:extLst>
+                <a:ext uri="{FF2B5EF4-FFF2-40B4-BE49-F238E27FC236}">
+                  <a16:creationId xmlns:a16="http://schemas.microsoft.com/office/drawing/2014/main" id="{EDA41D71-DD12-420B-B641-C8A97845CEAA}"/>
+                </a:ext>
+              </a:extLst>
+            </p:cNvPr>
+            <p:cNvSpPr/>
+            <p:nvPr/>
+          </p:nvSpPr>
+          <p:spPr>
+            <a:xfrm>
+              <a:off x="4486029" y="5141245"/>
+              <a:ext cx="3930183" cy="337339"/>
+            </a:xfrm>
+            <a:prstGeom prst="rect">
+              <a:avLst/>
+            </a:prstGeom>
+            <a:solidFill>
+              <a:schemeClr val="bg1"/>
+            </a:solidFill>
+            <a:ln>
+              <a:noFill/>
+            </a:ln>
+          </p:spPr>
+          <p:style>
+            <a:lnRef idx="2">
+              <a:schemeClr val="accent1">
+                <a:shade val="50000"/>
+              </a:schemeClr>
+            </a:lnRef>
+            <a:fillRef idx="1">
+              <a:schemeClr val="accent1"/>
+            </a:fillRef>
+            <a:effectRef idx="0">
+              <a:schemeClr val="accent1"/>
+            </a:effectRef>
+            <a:fontRef idx="minor">
+              <a:schemeClr val="lt1"/>
+            </a:fontRef>
+          </p:style>
+          <p:txBody>
+            <a:bodyPr rtlCol="0" anchor="ctr"/>
+            <a:lstStyle/>
+            <a:p>
+              <a:pPr algn="ctr"/>
+              <a:endParaRPr lang="en-US"/>
+            </a:p>
+          </p:txBody>
+        </p:sp>
+      </p:grpSp>
+    </p:spTree>
+    <p:extLst>
+      <p:ext uri="{BB962C8B-B14F-4D97-AF65-F5344CB8AC3E}">
+        <p14:creationId xmlns:p14="http://schemas.microsoft.com/office/powerpoint/2010/main" val="3301000746"/>
+      </p:ext>
+    </p:extLst>
+  </p:cSld>
+  <p:clrMapOvr>
+    <a:masterClrMapping/>
+  </p:clrMapOvr>
+</p:sld>
+</file>
+
+<file path=ppt/slides/slide5.xml><?xml version="1.0" encoding="utf-8"?>
+<p:sld xmlns:a="http://schemas.openxmlformats.org/drawingml/2006/main" xmlns:r="http://schemas.openxmlformats.org/officeDocument/2006/relationships" xmlns:p="http://schemas.openxmlformats.org/presentationml/2006/main">
+  <p:cSld>
+    <p:spTree>
+      <p:nvGrpSpPr>
+        <p:cNvPr id="1" name=""/>
+        <p:cNvGrpSpPr/>
+        <p:nvPr/>
+      </p:nvGrpSpPr>
+      <p:grpSpPr>
+        <a:xfrm>
+          <a:off x="0" y="0"/>
+          <a:ext cx="0" cy="0"/>
+          <a:chOff x="0" y="0"/>
+          <a:chExt cx="0" cy="0"/>
+        </a:xfrm>
+      </p:grpSpPr>
       <p:sp>
         <p:nvSpPr>
           <p:cNvPr id="2" name="TextBox 1"/>
@@ -12813,7 +15250,7 @@
 </p:sld>
 </file>
 
-<file path=ppt/slides/slide5.xml><?xml version="1.0" encoding="utf-8"?>
+<file path=ppt/slides/slide6.xml><?xml version="1.0" encoding="utf-8"?>
 <p:sld xmlns:a="http://schemas.openxmlformats.org/drawingml/2006/main" xmlns:r="http://schemas.openxmlformats.org/officeDocument/2006/relationships" xmlns:p="http://schemas.openxmlformats.org/presentationml/2006/main">
   <p:cSld>
     <p:spTree>
@@ -14867,7 +17304,7 @@
 </p:sld>
 </file>
 
-<file path=ppt/slides/slide6.xml><?xml version="1.0" encoding="utf-8"?>
+<file path=ppt/slides/slide7.xml><?xml version="1.0" encoding="utf-8"?>
 <p:sld xmlns:a="http://schemas.openxmlformats.org/drawingml/2006/main" xmlns:r="http://schemas.openxmlformats.org/officeDocument/2006/relationships" xmlns:p="http://schemas.openxmlformats.org/presentationml/2006/main">
   <p:cSld>
     <p:spTree>
@@ -17354,7 +19791,7 @@
 </p:sld>
 </file>
 
-<file path=ppt/slides/slide7.xml><?xml version="1.0" encoding="utf-8"?>
+<file path=ppt/slides/slide8.xml><?xml version="1.0" encoding="utf-8"?>
 <p:sld xmlns:a="http://schemas.openxmlformats.org/drawingml/2006/main" xmlns:r="http://schemas.openxmlformats.org/officeDocument/2006/relationships" xmlns:p="http://schemas.openxmlformats.org/presentationml/2006/main">
   <p:cSld>
     <p:spTree>
@@ -19223,7 +21660,7 @@
 </p:sld>
 </file>
 
-<file path=ppt/slides/slide8.xml><?xml version="1.0" encoding="utf-8"?>
+<file path=ppt/slides/slide9.xml><?xml version="1.0" encoding="utf-8"?>
 <p:sld xmlns:a="http://schemas.openxmlformats.org/drawingml/2006/main" xmlns:r="http://schemas.openxmlformats.org/officeDocument/2006/relationships" xmlns:p="http://schemas.openxmlformats.org/presentationml/2006/main">
   <p:cSld>
     <p:spTree>
@@ -20692,584 +23129,6 @@
     <p:extLst>
       <p:ext uri="{BB962C8B-B14F-4D97-AF65-F5344CB8AC3E}">
         <p14:creationId xmlns:p14="http://schemas.microsoft.com/office/powerpoint/2010/main" val="661608270"/>
-      </p:ext>
-    </p:extLst>
-  </p:cSld>
-  <p:clrMapOvr>
-    <a:masterClrMapping/>
-  </p:clrMapOvr>
-</p:sld>
-</file>
-
-<file path=ppt/slides/slide9.xml><?xml version="1.0" encoding="utf-8"?>
-<p:sld xmlns:a="http://schemas.openxmlformats.org/drawingml/2006/main" xmlns:r="http://schemas.openxmlformats.org/officeDocument/2006/relationships" xmlns:p="http://schemas.openxmlformats.org/presentationml/2006/main">
-  <p:cSld>
-    <p:spTree>
-      <p:nvGrpSpPr>
-        <p:cNvPr id="1" name=""/>
-        <p:cNvGrpSpPr/>
-        <p:nvPr/>
-      </p:nvGrpSpPr>
-      <p:grpSpPr>
-        <a:xfrm>
-          <a:off x="0" y="0"/>
-          <a:ext cx="0" cy="0"/>
-          <a:chOff x="0" y="0"/>
-          <a:chExt cx="0" cy="0"/>
-        </a:xfrm>
-      </p:grpSpPr>
-      <p:sp>
-        <p:nvSpPr>
-          <p:cNvPr id="3075" name="TextBox 3"/>
-          <p:cNvSpPr txBox="1">
-            <a:spLocks noChangeArrowheads="1"/>
-          </p:cNvSpPr>
-          <p:nvPr/>
-        </p:nvSpPr>
-        <p:spPr bwMode="auto">
-          <a:xfrm>
-            <a:off x="2415073" y="220826"/>
-            <a:ext cx="7010400" cy="769441"/>
-          </a:xfrm>
-          <a:prstGeom prst="rect">
-            <a:avLst/>
-          </a:prstGeom>
-          <a:noFill/>
-          <a:ln w="9525">
-            <a:noFill/>
-            <a:miter lim="800000"/>
-            <a:headEnd/>
-            <a:tailEnd/>
-          </a:ln>
-        </p:spPr>
-        <p:txBody>
-          <a:bodyPr>
-            <a:spAutoFit/>
-          </a:bodyPr>
-          <a:lstStyle/>
-          <a:p>
-            <a:pPr marL="0" marR="0" lvl="0" indent="0" algn="l" defTabSz="914400" rtl="0" eaLnBrk="1" fontAlgn="auto" latinLnBrk="0" hangingPunct="1">
-              <a:lnSpc>
-                <a:spcPct val="100000"/>
-              </a:lnSpc>
-              <a:spcBef>
-                <a:spcPts val="0"/>
-              </a:spcBef>
-              <a:spcAft>
-                <a:spcPts val="0"/>
-              </a:spcAft>
-              <a:buClrTx/>
-              <a:buSzTx/>
-              <a:buFontTx/>
-              <a:buNone/>
-              <a:tabLst/>
-              <a:defRPr/>
-            </a:pPr>
-            <a:r>
-              <a:rPr kumimoji="0" lang="en-US" sz="4400" b="0" i="0" u="none" strike="noStrike" kern="1200" cap="small" spc="0" normalizeH="0" baseline="0" noProof="0" dirty="0">
-                <a:ln>
-                  <a:noFill/>
-                </a:ln>
-                <a:solidFill>
-                  <a:prstClr val="black"/>
-                </a:solidFill>
-                <a:effectLst/>
-                <a:uLnTx/>
-                <a:uFillTx/>
-                <a:latin typeface="Euphemia" panose="020B0503040102020104"/>
-                <a:ea typeface="+mn-ea"/>
-                <a:cs typeface="+mn-cs"/>
-              </a:rPr>
-              <a:t>Discussion Questions:</a:t>
-            </a:r>
-          </a:p>
-        </p:txBody>
-      </p:sp>
-      <p:sp>
-        <p:nvSpPr>
-          <p:cNvPr id="8" name="TextBox 4"/>
-          <p:cNvSpPr txBox="1">
-            <a:spLocks noChangeArrowheads="1"/>
-          </p:cNvSpPr>
-          <p:nvPr/>
-        </p:nvSpPr>
-        <p:spPr bwMode="auto">
-          <a:xfrm>
-            <a:off x="2099387" y="1107234"/>
-            <a:ext cx="7239000" cy="5170646"/>
-          </a:xfrm>
-          <a:prstGeom prst="rect">
-            <a:avLst/>
-          </a:prstGeom>
-          <a:noFill/>
-          <a:ln w="9525">
-            <a:noFill/>
-            <a:miter lim="800000"/>
-            <a:headEnd/>
-            <a:tailEnd/>
-          </a:ln>
-        </p:spPr>
-        <p:txBody>
-          <a:bodyPr>
-            <a:spAutoFit/>
-          </a:bodyPr>
-          <a:lstStyle/>
-          <a:p>
-            <a:pPr marL="457200" marR="0" lvl="1" indent="0" algn="l" defTabSz="914400" rtl="0" eaLnBrk="1" fontAlgn="auto" latinLnBrk="0" hangingPunct="1">
-              <a:lnSpc>
-                <a:spcPct val="100000"/>
-              </a:lnSpc>
-              <a:spcBef>
-                <a:spcPts val="1200"/>
-              </a:spcBef>
-              <a:spcAft>
-                <a:spcPts val="0"/>
-              </a:spcAft>
-              <a:buClrTx/>
-              <a:buSzTx/>
-              <a:buFontTx/>
-              <a:buNone/>
-              <a:tabLst/>
-              <a:defRPr/>
-            </a:pPr>
-            <a:endParaRPr kumimoji="0" lang="en-US" sz="1800" b="0" i="0" u="none" strike="noStrike" kern="1200" cap="none" spc="0" normalizeH="0" baseline="0" noProof="0" dirty="0">
-              <a:ln>
-                <a:noFill/>
-              </a:ln>
-              <a:solidFill>
-                <a:prstClr val="black"/>
-              </a:solidFill>
-              <a:effectLst/>
-              <a:uLnTx/>
-              <a:uFillTx/>
-              <a:latin typeface="Calibri" panose="020F0502020204030204"/>
-              <a:ea typeface="+mn-ea"/>
-              <a:cs typeface="+mn-cs"/>
-            </a:endParaRPr>
-          </a:p>
-          <a:p>
-            <a:pPr marL="914400" marR="0" lvl="1" indent="-457200" algn="l" defTabSz="914400" rtl="0" eaLnBrk="1" fontAlgn="auto" latinLnBrk="0" hangingPunct="1">
-              <a:lnSpc>
-                <a:spcPct val="100000"/>
-              </a:lnSpc>
-              <a:spcBef>
-                <a:spcPts val="1200"/>
-              </a:spcBef>
-              <a:spcAft>
-                <a:spcPts val="0"/>
-              </a:spcAft>
-              <a:buClrTx/>
-              <a:buSzTx/>
-              <a:buFontTx/>
-              <a:buAutoNum type="arabicPeriod"/>
-              <a:tabLst/>
-              <a:defRPr/>
-            </a:pPr>
-            <a:r>
-              <a:rPr lang="en-US" dirty="0">
-                <a:solidFill>
-                  <a:prstClr val="black"/>
-                </a:solidFill>
-                <a:latin typeface="Calibri" panose="020F0502020204030204"/>
-              </a:rPr>
-              <a:t>Is this an RCT? Do we have an identical “control group”?</a:t>
-            </a:r>
-            <a:br>
-              <a:rPr kumimoji="0" lang="en-US" sz="1800" b="0" i="0" u="none" strike="noStrike" kern="1200" cap="none" spc="0" normalizeH="0" baseline="0" noProof="0" dirty="0">
-                <a:ln>
-                  <a:noFill/>
-                </a:ln>
-                <a:solidFill>
-                  <a:prstClr val="black"/>
-                </a:solidFill>
-                <a:effectLst/>
-                <a:uLnTx/>
-                <a:uFillTx/>
-                <a:latin typeface="Calibri" panose="020F0502020204030204"/>
-                <a:ea typeface="+mn-ea"/>
-                <a:cs typeface="+mn-cs"/>
-              </a:rPr>
-            </a:br>
-            <a:endParaRPr kumimoji="0" lang="en-US" sz="1800" b="0" i="0" u="none" strike="noStrike" kern="1200" cap="none" spc="0" normalizeH="0" baseline="0" noProof="0" dirty="0">
-              <a:ln>
-                <a:noFill/>
-              </a:ln>
-              <a:solidFill>
-                <a:prstClr val="black"/>
-              </a:solidFill>
-              <a:effectLst/>
-              <a:uLnTx/>
-              <a:uFillTx/>
-              <a:latin typeface="Calibri" panose="020F0502020204030204"/>
-              <a:ea typeface="+mn-ea"/>
-              <a:cs typeface="+mn-cs"/>
-            </a:endParaRPr>
-          </a:p>
-          <a:p>
-            <a:pPr marL="914400" marR="0" lvl="1" indent="-457200" algn="l" defTabSz="914400" rtl="0" eaLnBrk="1" fontAlgn="auto" latinLnBrk="0" hangingPunct="1">
-              <a:lnSpc>
-                <a:spcPct val="100000"/>
-              </a:lnSpc>
-              <a:spcBef>
-                <a:spcPts val="1200"/>
-              </a:spcBef>
-              <a:spcAft>
-                <a:spcPts val="0"/>
-              </a:spcAft>
-              <a:buClrTx/>
-              <a:buSzTx/>
-              <a:buFontTx/>
-              <a:buAutoNum type="arabicPeriod"/>
-              <a:tabLst/>
-              <a:defRPr/>
-            </a:pPr>
-            <a:r>
-              <a:rPr kumimoji="0" lang="en-US" sz="1800" b="0" i="0" u="none" strike="noStrike" kern="1200" cap="none" spc="0" normalizeH="0" baseline="0" noProof="0" dirty="0">
-                <a:ln>
-                  <a:noFill/>
-                </a:ln>
-                <a:solidFill>
-                  <a:prstClr val="black"/>
-                </a:solidFill>
-                <a:effectLst/>
-                <a:uLnTx/>
-                <a:uFillTx/>
-                <a:latin typeface="Calibri" panose="020F0502020204030204"/>
-                <a:ea typeface="+mn-ea"/>
-                <a:cs typeface="+mn-cs"/>
-              </a:rPr>
-              <a:t>What role does the high SES group perform?</a:t>
-            </a:r>
-            <a:r>
-              <a:rPr kumimoji="0" lang="en-US" sz="1800" b="0" i="0" u="none" strike="noStrike" kern="1200" cap="none" spc="0" normalizeH="0" noProof="0" dirty="0">
-                <a:ln>
-                  <a:noFill/>
-                </a:ln>
-                <a:solidFill>
-                  <a:prstClr val="black"/>
-                </a:solidFill>
-                <a:effectLst/>
-                <a:uLnTx/>
-                <a:uFillTx/>
-                <a:latin typeface="Calibri" panose="020F0502020204030204"/>
-                <a:ea typeface="+mn-ea"/>
-                <a:cs typeface="+mn-cs"/>
-              </a:rPr>
-              <a:t> </a:t>
-            </a:r>
-            <a:br>
-              <a:rPr kumimoji="0" lang="en-US" sz="1800" b="0" i="0" u="none" strike="noStrike" kern="1200" cap="none" spc="0" normalizeH="0" noProof="0" dirty="0">
-                <a:ln>
-                  <a:noFill/>
-                </a:ln>
-                <a:solidFill>
-                  <a:prstClr val="black"/>
-                </a:solidFill>
-                <a:effectLst/>
-                <a:uLnTx/>
-                <a:uFillTx/>
-                <a:latin typeface="Calibri" panose="020F0502020204030204"/>
-                <a:ea typeface="+mn-ea"/>
-                <a:cs typeface="+mn-cs"/>
-              </a:rPr>
-            </a:br>
-            <a:endParaRPr kumimoji="0" lang="en-US" sz="1800" b="0" i="0" u="none" strike="noStrike" kern="1200" cap="none" spc="0" normalizeH="0" noProof="0" dirty="0">
-              <a:ln>
-                <a:noFill/>
-              </a:ln>
-              <a:solidFill>
-                <a:prstClr val="black"/>
-              </a:solidFill>
-              <a:effectLst/>
-              <a:uLnTx/>
-              <a:uFillTx/>
-              <a:latin typeface="Calibri" panose="020F0502020204030204"/>
-              <a:ea typeface="+mn-ea"/>
-              <a:cs typeface="+mn-cs"/>
-            </a:endParaRPr>
-          </a:p>
-          <a:p>
-            <a:pPr marL="914400" marR="0" lvl="1" indent="-457200" algn="l" defTabSz="914400" rtl="0" eaLnBrk="1" fontAlgn="auto" latinLnBrk="0" hangingPunct="1">
-              <a:lnSpc>
-                <a:spcPct val="100000"/>
-              </a:lnSpc>
-              <a:spcBef>
-                <a:spcPts val="1200"/>
-              </a:spcBef>
-              <a:spcAft>
-                <a:spcPts val="0"/>
-              </a:spcAft>
-              <a:buClrTx/>
-              <a:buSzTx/>
-              <a:buFontTx/>
-              <a:buAutoNum type="arabicPeriod"/>
-              <a:tabLst/>
-              <a:defRPr/>
-            </a:pPr>
-            <a:r>
-              <a:rPr kumimoji="0" lang="en-US" sz="1800" b="0" i="0" u="none" strike="noStrike" kern="1200" cap="none" spc="0" normalizeH="0" baseline="0" noProof="0" dirty="0">
-                <a:ln>
-                  <a:noFill/>
-                </a:ln>
-                <a:solidFill>
-                  <a:prstClr val="black"/>
-                </a:solidFill>
-                <a:effectLst/>
-                <a:uLnTx/>
-                <a:uFillTx/>
-                <a:latin typeface="Calibri" panose="020F0502020204030204"/>
-                <a:ea typeface="+mn-ea"/>
-                <a:cs typeface="+mn-cs"/>
-              </a:rPr>
-              <a:t>Why do we have four treatment groups?</a:t>
-            </a:r>
-            <a:br>
-              <a:rPr kumimoji="0" lang="en-US" sz="1800" b="0" i="0" u="none" strike="noStrike" kern="1200" cap="none" spc="0" normalizeH="0" baseline="0" noProof="0" dirty="0">
-                <a:ln>
-                  <a:noFill/>
-                </a:ln>
-                <a:solidFill>
-                  <a:prstClr val="black"/>
-                </a:solidFill>
-                <a:effectLst/>
-                <a:uLnTx/>
-                <a:uFillTx/>
-                <a:latin typeface="Calibri" panose="020F0502020204030204"/>
-                <a:ea typeface="+mn-ea"/>
-                <a:cs typeface="+mn-cs"/>
-              </a:rPr>
-            </a:br>
-            <a:endParaRPr kumimoji="0" lang="en-US" sz="1800" b="0" i="0" u="none" strike="noStrike" kern="1200" cap="none" spc="0" normalizeH="0" baseline="0" noProof="0" dirty="0">
-              <a:ln>
-                <a:noFill/>
-              </a:ln>
-              <a:solidFill>
-                <a:prstClr val="black"/>
-              </a:solidFill>
-              <a:effectLst/>
-              <a:uLnTx/>
-              <a:uFillTx/>
-              <a:latin typeface="Calibri" panose="020F0502020204030204"/>
-              <a:ea typeface="+mn-ea"/>
-              <a:cs typeface="+mn-cs"/>
-            </a:endParaRPr>
-          </a:p>
-          <a:p>
-            <a:pPr marL="914400" lvl="1" indent="-457200">
-              <a:spcBef>
-                <a:spcPts val="1200"/>
-              </a:spcBef>
-              <a:buFontTx/>
-              <a:buAutoNum type="arabicPeriod"/>
-            </a:pPr>
-            <a:r>
-              <a:rPr lang="en-US" dirty="0">
-                <a:solidFill>
-                  <a:prstClr val="black"/>
-                </a:solidFill>
-              </a:rPr>
-              <a:t>What outcome is measured here? Is it valid and reliable? </a:t>
-            </a:r>
-            <a:br>
-              <a:rPr lang="en-US" dirty="0">
-                <a:solidFill>
-                  <a:prstClr val="black"/>
-                </a:solidFill>
-              </a:rPr>
-            </a:br>
-            <a:endParaRPr lang="en-US" dirty="0">
-              <a:solidFill>
-                <a:prstClr val="black"/>
-              </a:solidFill>
-            </a:endParaRPr>
-          </a:p>
-          <a:p>
-            <a:pPr marL="914400" lvl="1" indent="-457200">
-              <a:spcBef>
-                <a:spcPts val="1200"/>
-              </a:spcBef>
-              <a:buFontTx/>
-              <a:buAutoNum type="arabicPeriod"/>
-            </a:pPr>
-            <a:r>
-              <a:rPr lang="en-US" dirty="0">
-                <a:solidFill>
-                  <a:prstClr val="black"/>
-                </a:solidFill>
-              </a:rPr>
-              <a:t>How </a:t>
-            </a:r>
-            <a:r>
-              <a:rPr kumimoji="0" lang="en-US" sz="1800" b="0" i="0" u="none" strike="noStrike" kern="1200" cap="none" spc="0" normalizeH="0" baseline="0" noProof="0" dirty="0">
-                <a:ln>
-                  <a:noFill/>
-                </a:ln>
-                <a:solidFill>
-                  <a:prstClr val="black"/>
-                </a:solidFill>
-                <a:effectLst/>
-                <a:uLnTx/>
-                <a:uFillTx/>
-                <a:latin typeface="Calibri" panose="020F0502020204030204"/>
-                <a:ea typeface="+mn-ea"/>
-                <a:cs typeface="+mn-cs"/>
-              </a:rPr>
-              <a:t>would I test whether</a:t>
-            </a:r>
-            <a:r>
-              <a:rPr kumimoji="0" lang="en-US" sz="1800" b="0" i="0" u="none" strike="noStrike" kern="1200" cap="none" spc="0" normalizeH="0" noProof="0" dirty="0">
-                <a:ln>
-                  <a:noFill/>
-                </a:ln>
-                <a:solidFill>
-                  <a:prstClr val="black"/>
-                </a:solidFill>
-                <a:effectLst/>
-                <a:uLnTx/>
-                <a:uFillTx/>
-                <a:latin typeface="Calibri" panose="020F0502020204030204"/>
-                <a:ea typeface="+mn-ea"/>
-                <a:cs typeface="+mn-cs"/>
-              </a:rPr>
-              <a:t> two treatment periods has the same impact as three periods, but is more cost-effective? </a:t>
-            </a:r>
-            <a:br>
-              <a:rPr kumimoji="0" lang="en-US" sz="1800" b="0" i="0" u="none" strike="noStrike" kern="1200" cap="none" spc="0" normalizeH="0" noProof="0" dirty="0">
-                <a:ln>
-                  <a:noFill/>
-                </a:ln>
-                <a:solidFill>
-                  <a:prstClr val="black"/>
-                </a:solidFill>
-                <a:effectLst/>
-                <a:uLnTx/>
-                <a:uFillTx/>
-                <a:latin typeface="Calibri" panose="020F0502020204030204"/>
-                <a:ea typeface="+mn-ea"/>
-                <a:cs typeface="+mn-cs"/>
-              </a:rPr>
-            </a:br>
-            <a:endParaRPr kumimoji="0" lang="en-US" sz="1800" b="0" i="0" u="none" strike="noStrike" kern="1200" cap="none" spc="0" normalizeH="0" noProof="0" dirty="0">
-              <a:ln>
-                <a:noFill/>
-              </a:ln>
-              <a:solidFill>
-                <a:prstClr val="black"/>
-              </a:solidFill>
-              <a:effectLst/>
-              <a:uLnTx/>
-              <a:uFillTx/>
-              <a:latin typeface="Calibri" panose="020F0502020204030204"/>
-              <a:ea typeface="+mn-ea"/>
-              <a:cs typeface="+mn-cs"/>
-            </a:endParaRPr>
-          </a:p>
-          <a:p>
-            <a:pPr marL="914400" marR="0" lvl="1" indent="-457200" algn="l" defTabSz="914400" rtl="0" eaLnBrk="1" fontAlgn="auto" latinLnBrk="0" hangingPunct="1">
-              <a:lnSpc>
-                <a:spcPct val="100000"/>
-              </a:lnSpc>
-              <a:spcBef>
-                <a:spcPts val="1200"/>
-              </a:spcBef>
-              <a:spcAft>
-                <a:spcPts val="0"/>
-              </a:spcAft>
-              <a:buClrTx/>
-              <a:buSzTx/>
-              <a:buFontTx/>
-              <a:buAutoNum type="arabicPeriod"/>
-              <a:tabLst/>
-              <a:defRPr/>
-            </a:pPr>
-            <a:r>
-              <a:rPr lang="en-US" baseline="0" dirty="0">
-                <a:solidFill>
-                  <a:prstClr val="black"/>
-                </a:solidFill>
-                <a:latin typeface="Calibri" panose="020F0502020204030204"/>
-              </a:rPr>
-              <a:t>Can</a:t>
-            </a:r>
-            <a:r>
-              <a:rPr lang="en-US" dirty="0">
-                <a:solidFill>
-                  <a:prstClr val="black"/>
-                </a:solidFill>
-                <a:latin typeface="Calibri" panose="020F0502020204030204"/>
-              </a:rPr>
-              <a:t> you identify a weakness in the design or a threat to validity? </a:t>
-            </a:r>
-            <a:br>
-              <a:rPr kumimoji="0" lang="en-US" sz="1800" b="0" i="0" u="none" strike="noStrike" kern="1200" cap="none" spc="0" normalizeH="0" baseline="0" noProof="0" dirty="0">
-                <a:ln>
-                  <a:noFill/>
-                </a:ln>
-                <a:solidFill>
-                  <a:prstClr val="black"/>
-                </a:solidFill>
-                <a:effectLst/>
-                <a:uLnTx/>
-                <a:uFillTx/>
-                <a:latin typeface="Calibri" panose="020F0502020204030204"/>
-                <a:ea typeface="+mn-ea"/>
-                <a:cs typeface="+mn-cs"/>
-              </a:rPr>
-            </a:br>
-            <a:endParaRPr kumimoji="0" lang="en-US" sz="1800" b="0" i="0" u="none" strike="noStrike" kern="1200" cap="none" spc="0" normalizeH="0" baseline="0" noProof="0" dirty="0">
-              <a:ln>
-                <a:noFill/>
-              </a:ln>
-              <a:solidFill>
-                <a:prstClr val="black"/>
-              </a:solidFill>
-              <a:effectLst/>
-              <a:uLnTx/>
-              <a:uFillTx/>
-              <a:latin typeface="Calibri" panose="020F0502020204030204"/>
-              <a:ea typeface="+mn-ea"/>
-              <a:cs typeface="+mn-cs"/>
-            </a:endParaRPr>
-          </a:p>
-          <a:p>
-            <a:pPr marL="914400" marR="0" lvl="1" indent="-457200" algn="l" defTabSz="914400" rtl="0" eaLnBrk="1" fontAlgn="auto" latinLnBrk="0" hangingPunct="1">
-              <a:lnSpc>
-                <a:spcPct val="100000"/>
-              </a:lnSpc>
-              <a:spcBef>
-                <a:spcPts val="0"/>
-              </a:spcBef>
-              <a:spcAft>
-                <a:spcPts val="0"/>
-              </a:spcAft>
-              <a:buClrTx/>
-              <a:buSzTx/>
-              <a:buFont typeface="Tahoma" pitchFamily="34" charset="0"/>
-              <a:buAutoNum type="arabicPeriod"/>
-              <a:tabLst/>
-              <a:defRPr/>
-            </a:pPr>
-            <a:endParaRPr kumimoji="0" lang="en-US" sz="1800" b="0" i="0" u="none" strike="noStrike" kern="1200" cap="none" spc="0" normalizeH="0" baseline="0" noProof="0" dirty="0">
-              <a:ln>
-                <a:noFill/>
-              </a:ln>
-              <a:solidFill>
-                <a:prstClr val="black"/>
-              </a:solidFill>
-              <a:effectLst/>
-              <a:uLnTx/>
-              <a:uFillTx/>
-              <a:latin typeface="Calibri" panose="020F0502020204030204"/>
-              <a:ea typeface="+mn-ea"/>
-              <a:cs typeface="+mn-cs"/>
-            </a:endParaRPr>
-          </a:p>
-        </p:txBody>
-      </p:sp>
-    </p:spTree>
-    <p:extLst>
-      <p:ext uri="{BB962C8B-B14F-4D97-AF65-F5344CB8AC3E}">
-        <p14:creationId xmlns:p14="http://schemas.microsoft.com/office/powerpoint/2010/main" val="526458811"/>
       </p:ext>
     </p:extLst>
   </p:cSld>
